--- a/assets/template.pptx
+++ b/assets/template.pptx
@@ -125,7 +125,7 @@
 <file path=ppt/revisionInfo.xml><?xml version="1.0" encoding="utf-8"?>
 <p1510:revInfo xmlns:a="http://schemas.openxmlformats.org/drawingml/2006/main" xmlns:r="http://schemas.openxmlformats.org/officeDocument/2006/relationships" xmlns:p1510="http://schemas.microsoft.com/office/powerpoint/2015/10/main">
   <p1510:revLst>
-    <p1510:client id="{72F1E4F3-0FD2-477E-A43E-64230CB61480}" v="11" dt="2025-09-09T02:38:59.947"/>
+    <p1510:client id="{72F1E4F3-0FD2-477E-A43E-64230CB61480}" v="12" dt="2025-10-10T15:49:03.864"/>
   </p1510:revLst>
 </p1510:revInfo>
 </file>
@@ -135,18 +135,18 @@
   <pc:docChgLst>
     <pc:chgData name="Cha, Curie (ext)" userId="ded769b9-f891-4fbd-9aac-296009cad227" providerId="ADAL" clId="{72F1E4F3-0FD2-477E-A43E-64230CB61480}"/>
     <pc:docChg chg="undo custSel addSld delSld modSld modMainMaster">
-      <pc:chgData name="Cha, Curie (ext)" userId="ded769b9-f891-4fbd-9aac-296009cad227" providerId="ADAL" clId="{72F1E4F3-0FD2-477E-A43E-64230CB61480}" dt="2025-09-09T02:41:14.286" v="111" actId="14100"/>
+      <pc:chgData name="Cha, Curie (ext)" userId="ded769b9-f891-4fbd-9aac-296009cad227" providerId="ADAL" clId="{72F1E4F3-0FD2-477E-A43E-64230CB61480}" dt="2025-10-10T15:49:06.336" v="149" actId="1076"/>
       <pc:docMkLst>
         <pc:docMk/>
       </pc:docMkLst>
       <pc:sldChg chg="modSp mod">
-        <pc:chgData name="Cha, Curie (ext)" userId="ded769b9-f891-4fbd-9aac-296009cad227" providerId="ADAL" clId="{72F1E4F3-0FD2-477E-A43E-64230CB61480}" dt="2025-09-09T02:13:23.486" v="42" actId="20577"/>
+        <pc:chgData name="Cha, Curie (ext)" userId="ded769b9-f891-4fbd-9aac-296009cad227" providerId="ADAL" clId="{72F1E4F3-0FD2-477E-A43E-64230CB61480}" dt="2025-10-02T17:37:48.097" v="123" actId="20577"/>
         <pc:sldMkLst>
           <pc:docMk/>
           <pc:sldMk cId="2280636616" sldId="262"/>
         </pc:sldMkLst>
         <pc:graphicFrameChg chg="modGraphic">
-          <ac:chgData name="Cha, Curie (ext)" userId="ded769b9-f891-4fbd-9aac-296009cad227" providerId="ADAL" clId="{72F1E4F3-0FD2-477E-A43E-64230CB61480}" dt="2025-09-09T02:13:23.486" v="42" actId="20577"/>
+          <ac:chgData name="Cha, Curie (ext)" userId="ded769b9-f891-4fbd-9aac-296009cad227" providerId="ADAL" clId="{72F1E4F3-0FD2-477E-A43E-64230CB61480}" dt="2025-10-02T17:37:48.097" v="123" actId="20577"/>
           <ac:graphicFrameMkLst>
             <pc:docMk/>
             <pc:sldMk cId="2280636616" sldId="262"/>
@@ -154,20 +154,35 @@
           </ac:graphicFrameMkLst>
         </pc:graphicFrameChg>
       </pc:sldChg>
+      <pc:sldChg chg="addSp delSp modSp mod">
+        <pc:chgData name="Cha, Curie (ext)" userId="ded769b9-f891-4fbd-9aac-296009cad227" providerId="ADAL" clId="{72F1E4F3-0FD2-477E-A43E-64230CB61480}" dt="2025-10-10T15:48:06.944" v="143" actId="478"/>
+        <pc:sldMkLst>
+          <pc:docMk/>
+          <pc:sldMk cId="2866622724" sldId="264"/>
+        </pc:sldMkLst>
+        <pc:spChg chg="add del">
+          <ac:chgData name="Cha, Curie (ext)" userId="ded769b9-f891-4fbd-9aac-296009cad227" providerId="ADAL" clId="{72F1E4F3-0FD2-477E-A43E-64230CB61480}" dt="2025-10-10T15:48:06.944" v="143" actId="478"/>
+          <ac:spMkLst>
+            <pc:docMk/>
+            <pc:sldMk cId="2866622724" sldId="264"/>
+            <ac:spMk id="3" creationId="{3F8D5A7E-99F4-25CB-D003-8661E45A7E60}"/>
+          </ac:spMkLst>
+        </pc:spChg>
+        <pc:spChg chg="mod">
+          <ac:chgData name="Cha, Curie (ext)" userId="ded769b9-f891-4fbd-9aac-296009cad227" providerId="ADAL" clId="{72F1E4F3-0FD2-477E-A43E-64230CB61480}" dt="2025-10-02T17:37:23.608" v="118" actId="20577"/>
+          <ac:spMkLst>
+            <pc:docMk/>
+            <pc:sldMk cId="2866622724" sldId="264"/>
+            <ac:spMk id="6" creationId="{C71C37F5-FE65-EE1E-0C4F-84CF5B3988D4}"/>
+          </ac:spMkLst>
+        </pc:spChg>
+      </pc:sldChg>
       <pc:sldChg chg="delSp del mod">
         <pc:chgData name="Cha, Curie (ext)" userId="ded769b9-f891-4fbd-9aac-296009cad227" providerId="ADAL" clId="{72F1E4F3-0FD2-477E-A43E-64230CB61480}" dt="2025-09-08T19:53:11.448" v="21" actId="47"/>
         <pc:sldMkLst>
           <pc:docMk/>
           <pc:sldMk cId="3198581142" sldId="267"/>
         </pc:sldMkLst>
-        <pc:spChg chg="del">
-          <ac:chgData name="Cha, Curie (ext)" userId="ded769b9-f891-4fbd-9aac-296009cad227" providerId="ADAL" clId="{72F1E4F3-0FD2-477E-A43E-64230CB61480}" dt="2025-09-08T19:51:50.059" v="9" actId="478"/>
-          <ac:spMkLst>
-            <pc:docMk/>
-            <pc:sldMk cId="3198581142" sldId="267"/>
-            <ac:spMk id="3" creationId="{3F8D5A7E-99F4-25CB-D003-8661E45A7E60}"/>
-          </ac:spMkLst>
-        </pc:spChg>
       </pc:sldChg>
       <pc:sldChg chg="delSp modSp mod">
         <pc:chgData name="Cha, Curie (ext)" userId="ded769b9-f891-4fbd-9aac-296009cad227" providerId="ADAL" clId="{72F1E4F3-0FD2-477E-A43E-64230CB61480}" dt="2025-09-08T19:50:20.038" v="2" actId="478"/>
@@ -175,25 +190,9 @@
           <pc:docMk/>
           <pc:sldMk cId="1880646576" sldId="270"/>
         </pc:sldMkLst>
-        <pc:spChg chg="del">
-          <ac:chgData name="Cha, Curie (ext)" userId="ded769b9-f891-4fbd-9aac-296009cad227" providerId="ADAL" clId="{72F1E4F3-0FD2-477E-A43E-64230CB61480}" dt="2025-09-08T19:50:17.980" v="0" actId="478"/>
-          <ac:spMkLst>
-            <pc:docMk/>
-            <pc:sldMk cId="1880646576" sldId="270"/>
-            <ac:spMk id="4" creationId="{67658D97-841D-F0A9-F8F5-DB6836A4ACF4}"/>
-          </ac:spMkLst>
-        </pc:spChg>
-        <pc:spChg chg="del mod">
-          <ac:chgData name="Cha, Curie (ext)" userId="ded769b9-f891-4fbd-9aac-296009cad227" providerId="ADAL" clId="{72F1E4F3-0FD2-477E-A43E-64230CB61480}" dt="2025-09-08T19:50:20.038" v="2" actId="478"/>
-          <ac:spMkLst>
-            <pc:docMk/>
-            <pc:sldMk cId="1880646576" sldId="270"/>
-            <ac:spMk id="5" creationId="{90F001C2-774D-922D-11F5-69C609ACE778}"/>
-          </ac:spMkLst>
-        </pc:spChg>
       </pc:sldChg>
       <pc:sldChg chg="addSp delSp modSp mod chgLayout">
-        <pc:chgData name="Cha, Curie (ext)" userId="ded769b9-f891-4fbd-9aac-296009cad227" providerId="ADAL" clId="{72F1E4F3-0FD2-477E-A43E-64230CB61480}" dt="2025-09-09T02:41:14.286" v="111" actId="14100"/>
+        <pc:chgData name="Cha, Curie (ext)" userId="ded769b9-f891-4fbd-9aac-296009cad227" providerId="ADAL" clId="{72F1E4F3-0FD2-477E-A43E-64230CB61480}" dt="2025-10-10T15:49:06.336" v="149" actId="1076"/>
         <pc:sldMkLst>
           <pc:docMk/>
           <pc:sldMk cId="100202423" sldId="271"/>
@@ -214,44 +213,20 @@
             <ac:spMk id="3" creationId="{8CF068EA-580D-E909-1975-5864FDA01D24}"/>
           </ac:spMkLst>
         </pc:spChg>
-        <pc:spChg chg="del">
-          <ac:chgData name="Cha, Curie (ext)" userId="ded769b9-f891-4fbd-9aac-296009cad227" providerId="ADAL" clId="{72F1E4F3-0FD2-477E-A43E-64230CB61480}" dt="2025-09-09T02:14:52.053" v="56" actId="700"/>
+        <pc:spChg chg="add mod">
+          <ac:chgData name="Cha, Curie (ext)" userId="ded769b9-f891-4fbd-9aac-296009cad227" providerId="ADAL" clId="{72F1E4F3-0FD2-477E-A43E-64230CB61480}" dt="2025-10-10T15:49:06.336" v="149" actId="1076"/>
           <ac:spMkLst>
             <pc:docMk/>
             <pc:sldMk cId="100202423" sldId="271"/>
-            <ac:spMk id="4" creationId="{0BA246BE-91BE-5E02-4561-F2FCA2179CFB}"/>
+            <ac:spMk id="4" creationId="{BBD6DAAD-8434-E4DD-264C-10C0F7C3585A}"/>
           </ac:spMkLst>
         </pc:spChg>
         <pc:spChg chg="add del mod">
-          <ac:chgData name="Cha, Curie (ext)" userId="ded769b9-f891-4fbd-9aac-296009cad227" providerId="ADAL" clId="{72F1E4F3-0FD2-477E-A43E-64230CB61480}" dt="2025-09-09T02:38:54.713" v="102" actId="478"/>
-          <ac:spMkLst>
-            <pc:docMk/>
-            <pc:sldMk cId="100202423" sldId="271"/>
-            <ac:spMk id="4" creationId="{C5A5BB95-C6E4-AA46-E3FC-143A29CB4EAD}"/>
-          </ac:spMkLst>
-        </pc:spChg>
-        <pc:spChg chg="add mod">
-          <ac:chgData name="Cha, Curie (ext)" userId="ded769b9-f891-4fbd-9aac-296009cad227" providerId="ADAL" clId="{72F1E4F3-0FD2-477E-A43E-64230CB61480}" dt="2025-09-09T02:41:14.286" v="111" actId="14100"/>
+          <ac:chgData name="Cha, Curie (ext)" userId="ded769b9-f891-4fbd-9aac-296009cad227" providerId="ADAL" clId="{72F1E4F3-0FD2-477E-A43E-64230CB61480}" dt="2025-10-10T15:48:34.368" v="147" actId="1076"/>
           <ac:spMkLst>
             <pc:docMk/>
             <pc:sldMk cId="100202423" sldId="271"/>
             <ac:spMk id="5" creationId="{1C3561A8-13C9-B39D-7A57-0B9D761D97FA}"/>
-          </ac:spMkLst>
-        </pc:spChg>
-        <pc:spChg chg="del mod">
-          <ac:chgData name="Cha, Curie (ext)" userId="ded769b9-f891-4fbd-9aac-296009cad227" providerId="ADAL" clId="{72F1E4F3-0FD2-477E-A43E-64230CB61480}" dt="2025-09-09T02:14:52.053" v="56" actId="700"/>
-          <ac:spMkLst>
-            <pc:docMk/>
-            <pc:sldMk cId="100202423" sldId="271"/>
-            <ac:spMk id="5" creationId="{7BA0A6AB-93D5-EA49-D556-C647D4E5F3D6}"/>
-          </ac:spMkLst>
-        </pc:spChg>
-        <pc:spChg chg="mod">
-          <ac:chgData name="Cha, Curie (ext)" userId="ded769b9-f891-4fbd-9aac-296009cad227" providerId="ADAL" clId="{72F1E4F3-0FD2-477E-A43E-64230CB61480}" dt="2025-09-09T02:13:54.226" v="46" actId="1076"/>
-          <ac:spMkLst>
-            <pc:docMk/>
-            <pc:sldMk cId="100202423" sldId="271"/>
-            <ac:spMk id="6" creationId="{631A860E-904C-3522-6DD4-3677C102DF97}"/>
           </ac:spMkLst>
         </pc:spChg>
         <pc:spChg chg="add mod">
@@ -262,52 +237,36 @@
             <ac:spMk id="6" creationId="{DF4C3044-D165-CEB5-D2F9-072546A9B015}"/>
           </ac:spMkLst>
         </pc:spChg>
-        <pc:spChg chg="del mod">
-          <ac:chgData name="Cha, Curie (ext)" userId="ded769b9-f891-4fbd-9aac-296009cad227" providerId="ADAL" clId="{72F1E4F3-0FD2-477E-A43E-64230CB61480}" dt="2025-09-09T02:14:52.053" v="56" actId="700"/>
+        <pc:spChg chg="add del mod">
+          <ac:chgData name="Cha, Curie (ext)" userId="ded769b9-f891-4fbd-9aac-296009cad227" providerId="ADAL" clId="{72F1E4F3-0FD2-477E-A43E-64230CB61480}" dt="2025-10-10T15:48:13.513" v="144" actId="1076"/>
           <ac:spMkLst>
             <pc:docMk/>
             <pc:sldMk cId="100202423" sldId="271"/>
-            <ac:spMk id="7" creationId="{53E3C8DF-D84B-4322-4746-E322E4E37A93}"/>
+            <ac:spMk id="10" creationId="{F27F7027-A04D-55C8-8F1D-74EE28CC88D1}"/>
           </ac:spMkLst>
         </pc:spChg>
-        <pc:spChg chg="add mod">
-          <ac:chgData name="Cha, Curie (ext)" userId="ded769b9-f891-4fbd-9aac-296009cad227" providerId="ADAL" clId="{72F1E4F3-0FD2-477E-A43E-64230CB61480}" dt="2025-09-09T02:14:01.534" v="47"/>
+        <pc:spChg chg="add del mod">
+          <ac:chgData name="Cha, Curie (ext)" userId="ded769b9-f891-4fbd-9aac-296009cad227" providerId="ADAL" clId="{72F1E4F3-0FD2-477E-A43E-64230CB61480}" dt="2025-10-10T15:48:18.590" v="145" actId="1076"/>
           <ac:spMkLst>
             <pc:docMk/>
             <pc:sldMk cId="100202423" sldId="271"/>
-            <ac:spMk id="12" creationId="{94820CB2-0B31-D020-0E6B-A5E483D3FCF6}"/>
+            <ac:spMk id="11" creationId="{5081264D-9E52-A65A-604E-3C87C6A51409}"/>
           </ac:spMkLst>
         </pc:spChg>
-        <pc:spChg chg="add del mod">
-          <ac:chgData name="Cha, Curie (ext)" userId="ded769b9-f891-4fbd-9aac-296009cad227" providerId="ADAL" clId="{72F1E4F3-0FD2-477E-A43E-64230CB61480}" dt="2025-09-09T02:35:34.911" v="86" actId="478"/>
-          <ac:spMkLst>
-            <pc:docMk/>
-            <pc:sldMk cId="100202423" sldId="271"/>
-            <ac:spMk id="13" creationId="{29F99114-8746-3286-5866-9162D58CC835}"/>
-          </ac:spMkLst>
-        </pc:spChg>
-        <pc:spChg chg="add mod ord">
-          <ac:chgData name="Cha, Curie (ext)" userId="ded769b9-f891-4fbd-9aac-296009cad227" providerId="ADAL" clId="{72F1E4F3-0FD2-477E-A43E-64230CB61480}" dt="2025-09-09T02:14:52.053" v="56" actId="700"/>
+        <pc:spChg chg="add del mod ord">
+          <ac:chgData name="Cha, Curie (ext)" userId="ded769b9-f891-4fbd-9aac-296009cad227" providerId="ADAL" clId="{72F1E4F3-0FD2-477E-A43E-64230CB61480}" dt="2025-10-10T15:48:05.993" v="142" actId="478"/>
           <ac:spMkLst>
             <pc:docMk/>
             <pc:sldMk cId="100202423" sldId="271"/>
             <ac:spMk id="14" creationId="{343C770A-24AD-40B0-8D9E-D40EFE628B8C}"/>
           </ac:spMkLst>
         </pc:spChg>
-        <pc:spChg chg="add mod ord">
-          <ac:chgData name="Cha, Curie (ext)" userId="ded769b9-f891-4fbd-9aac-296009cad227" providerId="ADAL" clId="{72F1E4F3-0FD2-477E-A43E-64230CB61480}" dt="2025-09-09T02:14:52.053" v="56" actId="700"/>
+        <pc:spChg chg="add del mod ord">
+          <ac:chgData name="Cha, Curie (ext)" userId="ded769b9-f891-4fbd-9aac-296009cad227" providerId="ADAL" clId="{72F1E4F3-0FD2-477E-A43E-64230CB61480}" dt="2025-10-10T15:46:57.855" v="124" actId="478"/>
           <ac:spMkLst>
             <pc:docMk/>
             <pc:sldMk cId="100202423" sldId="271"/>
             <ac:spMk id="15" creationId="{4049C2CB-19A8-9C99-2A73-A662FA7A9EF7}"/>
-          </ac:spMkLst>
-        </pc:spChg>
-        <pc:spChg chg="del mod">
-          <ac:chgData name="Cha, Curie (ext)" userId="ded769b9-f891-4fbd-9aac-296009cad227" providerId="ADAL" clId="{72F1E4F3-0FD2-477E-A43E-64230CB61480}" dt="2025-09-09T02:14:11.197" v="50" actId="478"/>
-          <ac:spMkLst>
-            <pc:docMk/>
-            <pc:sldMk cId="100202423" sldId="271"/>
-            <ac:spMk id="17" creationId="{7B1E804D-B855-63B3-EDDA-C54158AC809B}"/>
           </ac:spMkLst>
         </pc:spChg>
         <pc:spChg chg="mod">
@@ -318,48 +277,40 @@
             <ac:spMk id="18" creationId="{60BAEE60-722D-D98A-CBF2-01843922722E}"/>
           </ac:spMkLst>
         </pc:spChg>
-        <pc:spChg chg="add del mod">
-          <ac:chgData name="Cha, Curie (ext)" userId="ded769b9-f891-4fbd-9aac-296009cad227" providerId="ADAL" clId="{72F1E4F3-0FD2-477E-A43E-64230CB61480}" dt="2025-09-09T02:31:27.706" v="75" actId="478"/>
-          <ac:spMkLst>
-            <pc:docMk/>
-            <pc:sldMk cId="100202423" sldId="271"/>
-            <ac:spMk id="19" creationId="{E715DF21-721D-E00C-D489-F3AE680BA3A4}"/>
-          </ac:spMkLst>
-        </pc:spChg>
-        <pc:spChg chg="add mod ord">
-          <ac:chgData name="Cha, Curie (ext)" userId="ded769b9-f891-4fbd-9aac-296009cad227" providerId="ADAL" clId="{72F1E4F3-0FD2-477E-A43E-64230CB61480}" dt="2025-09-09T02:14:52.053" v="56" actId="700"/>
+        <pc:spChg chg="add del mod ord">
+          <ac:chgData name="Cha, Curie (ext)" userId="ded769b9-f891-4fbd-9aac-296009cad227" providerId="ADAL" clId="{72F1E4F3-0FD2-477E-A43E-64230CB61480}" dt="2025-10-10T15:46:58.475" v="125" actId="478"/>
           <ac:spMkLst>
             <pc:docMk/>
             <pc:sldMk cId="100202423" sldId="271"/>
             <ac:spMk id="20" creationId="{F29C1F42-86AC-D1BF-B760-FB3D0FE6566D}"/>
           </ac:spMkLst>
         </pc:spChg>
-        <pc:spChg chg="add mod ord">
-          <ac:chgData name="Cha, Curie (ext)" userId="ded769b9-f891-4fbd-9aac-296009cad227" providerId="ADAL" clId="{72F1E4F3-0FD2-477E-A43E-64230CB61480}" dt="2025-09-09T02:14:52.053" v="56" actId="700"/>
+        <pc:spChg chg="add del mod ord">
+          <ac:chgData name="Cha, Curie (ext)" userId="ded769b9-f891-4fbd-9aac-296009cad227" providerId="ADAL" clId="{72F1E4F3-0FD2-477E-A43E-64230CB61480}" dt="2025-10-10T15:48:05.553" v="141" actId="478"/>
           <ac:spMkLst>
             <pc:docMk/>
             <pc:sldMk cId="100202423" sldId="271"/>
             <ac:spMk id="21" creationId="{F6D6A556-0D0C-60F4-D8F4-B20E5316FF7A}"/>
           </ac:spMkLst>
         </pc:spChg>
-        <pc:spChg chg="add mod ord">
-          <ac:chgData name="Cha, Curie (ext)" userId="ded769b9-f891-4fbd-9aac-296009cad227" providerId="ADAL" clId="{72F1E4F3-0FD2-477E-A43E-64230CB61480}" dt="2025-09-09T02:15:54.734" v="69" actId="1076"/>
+        <pc:spChg chg="add del mod ord">
+          <ac:chgData name="Cha, Curie (ext)" userId="ded769b9-f891-4fbd-9aac-296009cad227" providerId="ADAL" clId="{72F1E4F3-0FD2-477E-A43E-64230CB61480}" dt="2025-10-10T15:46:59.353" v="126" actId="478"/>
           <ac:spMkLst>
             <pc:docMk/>
             <pc:sldMk cId="100202423" sldId="271"/>
             <ac:spMk id="22" creationId="{DF89A7ED-1D54-0EEA-E6A0-8A994935731D}"/>
           </ac:spMkLst>
         </pc:spChg>
-        <pc:spChg chg="add mod">
-          <ac:chgData name="Cha, Curie (ext)" userId="ded769b9-f891-4fbd-9aac-296009cad227" providerId="ADAL" clId="{72F1E4F3-0FD2-477E-A43E-64230CB61480}" dt="2025-09-09T02:15:08.522" v="58" actId="1076"/>
+        <pc:spChg chg="add del mod">
+          <ac:chgData name="Cha, Curie (ext)" userId="ded769b9-f891-4fbd-9aac-296009cad227" providerId="ADAL" clId="{72F1E4F3-0FD2-477E-A43E-64230CB61480}" dt="2025-10-10T15:48:22.827" v="146" actId="1076"/>
           <ac:spMkLst>
             <pc:docMk/>
             <pc:sldMk cId="100202423" sldId="271"/>
             <ac:spMk id="23" creationId="{39CAD10E-C358-B1EC-CD9A-C3CBCBAFF033}"/>
           </ac:spMkLst>
         </pc:spChg>
-        <pc:graphicFrameChg chg="modGraphic">
-          <ac:chgData name="Cha, Curie (ext)" userId="ded769b9-f891-4fbd-9aac-296009cad227" providerId="ADAL" clId="{72F1E4F3-0FD2-477E-A43E-64230CB61480}" dt="2025-09-09T02:28:14.497" v="72" actId="2161"/>
+        <pc:graphicFrameChg chg="mod modGraphic">
+          <ac:chgData name="Cha, Curie (ext)" userId="ded769b9-f891-4fbd-9aac-296009cad227" providerId="ADAL" clId="{72F1E4F3-0FD2-477E-A43E-64230CB61480}" dt="2025-09-26T18:28:33.011" v="113" actId="2161"/>
           <ac:graphicFrameMkLst>
             <pc:docMk/>
             <pc:sldMk cId="100202423" sldId="271"/>
@@ -412,22 +363,6 @@
           <pc:docMk/>
           <pc:sldMk cId="1607897647" sldId="272"/>
         </pc:sldMkLst>
-        <pc:spChg chg="del">
-          <ac:chgData name="Cha, Curie (ext)" userId="ded769b9-f891-4fbd-9aac-296009cad227" providerId="ADAL" clId="{72F1E4F3-0FD2-477E-A43E-64230CB61480}" dt="2025-09-08T19:50:52.119" v="6"/>
-          <ac:spMkLst>
-            <pc:docMk/>
-            <pc:sldMk cId="1607897647" sldId="272"/>
-            <ac:spMk id="2" creationId="{FBA8CC7A-F9BB-1CA4-40CE-320EBEB42CB1}"/>
-          </ac:spMkLst>
-        </pc:spChg>
-        <pc:spChg chg="add mod">
-          <ac:chgData name="Cha, Curie (ext)" userId="ded769b9-f891-4fbd-9aac-296009cad227" providerId="ADAL" clId="{72F1E4F3-0FD2-477E-A43E-64230CB61480}" dt="2025-09-08T19:50:52.119" v="6"/>
-          <ac:spMkLst>
-            <pc:docMk/>
-            <pc:sldMk cId="1607897647" sldId="272"/>
-            <ac:spMk id="5" creationId="{56CD4CFF-4AFF-2818-E4AD-D1EE632AACB9}"/>
-          </ac:spMkLst>
-        </pc:spChg>
       </pc:sldChg>
       <pc:sldChg chg="new del">
         <pc:chgData name="Cha, Curie (ext)" userId="ded769b9-f891-4fbd-9aac-296009cad227" providerId="ADAL" clId="{72F1E4F3-0FD2-477E-A43E-64230CB61480}" dt="2025-09-08T19:51:52.644" v="10" actId="47"/>
@@ -449,24 +384,6 @@
             <pc:sldMasterMk cId="2897594611" sldId="2147483648"/>
             <pc:sldLayoutMk cId="2103369352" sldId="2147483655"/>
           </pc:sldLayoutMkLst>
-          <pc:spChg chg="del">
-            <ac:chgData name="Cha, Curie (ext)" userId="ded769b9-f891-4fbd-9aac-296009cad227" providerId="ADAL" clId="{72F1E4F3-0FD2-477E-A43E-64230CB61480}" dt="2025-09-08T19:50:28.367" v="3" actId="478"/>
-            <ac:spMkLst>
-              <pc:docMk/>
-              <pc:sldMasterMk cId="2897594611" sldId="2147483648"/>
-              <pc:sldLayoutMk cId="2103369352" sldId="2147483655"/>
-              <ac:spMk id="6" creationId="{66EFF83B-B5E1-CA4A-BEFC-B3CC5CE3C13B}"/>
-            </ac:spMkLst>
-          </pc:spChg>
-          <pc:spChg chg="del">
-            <ac:chgData name="Cha, Curie (ext)" userId="ded769b9-f891-4fbd-9aac-296009cad227" providerId="ADAL" clId="{72F1E4F3-0FD2-477E-A43E-64230CB61480}" dt="2025-09-08T19:50:30.272" v="4" actId="478"/>
-            <ac:spMkLst>
-              <pc:docMk/>
-              <pc:sldMasterMk cId="2897594611" sldId="2147483648"/>
-              <pc:sldLayoutMk cId="2103369352" sldId="2147483655"/>
-              <ac:spMk id="8" creationId="{1303B444-B53D-B5DF-6BA2-4D1BA0271CB3}"/>
-            </ac:spMkLst>
-          </pc:spChg>
         </pc:sldLayoutChg>
         <pc:sldLayoutChg chg="addSp modSp mod">
           <pc:chgData name="Cha, Curie (ext)" userId="ded769b9-f891-4fbd-9aac-296009cad227" providerId="ADAL" clId="{72F1E4F3-0FD2-477E-A43E-64230CB61480}" dt="2025-09-09T02:14:32.258" v="55" actId="1076"/>
@@ -600,7 +517,7 @@
           <a:p>
             <a:fld id="{3D35C63F-2105-BE4D-B527-2F529C382CE3}" type="datetimeFigureOut">
               <a:rPr lang="en-US" smtClean="0"/>
-              <a:t>9/8/2025</a:t>
+              <a:t>10/10/2025</a:t>
             </a:fld>
             <a:endParaRPr lang="en-US"/>
           </a:p>
@@ -1014,7 +931,7 @@
           <a:p>
             <a:fld id="{B06752D5-78E2-A847-9C3B-189A3B26818D}" type="datetime1">
               <a:rPr lang="en-US" smtClean="0"/>
-              <a:t>9/8/2025</a:t>
+              <a:t>10/10/2025</a:t>
             </a:fld>
             <a:endParaRPr lang="en-US"/>
           </a:p>
@@ -1130,7 +1047,7 @@
           <a:p>
             <a:fld id="{388ACBCC-99E6-FE44-9ACC-953181C011A7}" type="datetime1">
               <a:rPr lang="en-US" smtClean="0"/>
-              <a:t>9/8/2025</a:t>
+              <a:t>10/10/2025</a:t>
             </a:fld>
             <a:endParaRPr lang="en-US"/>
           </a:p>
@@ -1486,7 +1403,7 @@
           <a:p>
             <a:fld id="{8BE48B6B-F1AB-B84A-84D7-8652902395E6}" type="datetime1">
               <a:rPr lang="en-US" smtClean="0"/>
-              <a:t>9/8/2025</a:t>
+              <a:t>10/10/2025</a:t>
             </a:fld>
             <a:endParaRPr lang="en-US"/>
           </a:p>
@@ -1697,7 +1614,7 @@
           <a:p>
             <a:fld id="{DBB5A80F-23F3-D14B-A04A-2443AD3C8C1D}" type="datetime1">
               <a:rPr lang="en-US" smtClean="0"/>
-              <a:t>9/8/2025</a:t>
+              <a:t>10/10/2025</a:t>
             </a:fld>
             <a:endParaRPr lang="en-US"/>
           </a:p>
@@ -1898,7 +1815,7 @@
           <a:p>
             <a:fld id="{B4924098-444B-1F4A-964D-453B90BB09B8}" type="datetime1">
               <a:rPr lang="en-US" smtClean="0"/>
-              <a:t>9/8/2025</a:t>
+              <a:t>10/10/2025</a:t>
             </a:fld>
             <a:endParaRPr lang="en-US"/>
           </a:p>
@@ -2176,7 +2093,7 @@
           <a:p>
             <a:fld id="{64AA80EC-5C39-424E-BCDB-7253578D21E1}" type="datetime1">
               <a:rPr lang="en-US" smtClean="0"/>
-              <a:t>9/8/2025</a:t>
+              <a:t>10/10/2025</a:t>
             </a:fld>
             <a:endParaRPr lang="en-US"/>
           </a:p>
@@ -2444,7 +2361,7 @@
           <a:p>
             <a:fld id="{B62BE381-6531-BD4E-A14F-C7F7891665A3}" type="datetime1">
               <a:rPr lang="en-US" smtClean="0"/>
-              <a:t>9/8/2025</a:t>
+              <a:t>10/10/2025</a:t>
             </a:fld>
             <a:endParaRPr lang="en-US"/>
           </a:p>
@@ -2859,7 +2776,7 @@
           <a:p>
             <a:fld id="{EFF9B324-5E84-A143-AFFD-96C685045931}" type="datetime1">
               <a:rPr lang="en-US" smtClean="0"/>
-              <a:t>9/8/2025</a:t>
+              <a:t>10/10/2025</a:t>
             </a:fld>
             <a:endParaRPr lang="en-US"/>
           </a:p>
@@ -3003,7 +2920,7 @@
           <a:p>
             <a:fld id="{5E03C108-A023-064E-AD84-0599AE6A4C7B}" type="datetime1">
               <a:rPr lang="en-US" smtClean="0"/>
-              <a:t>9/8/2025</a:t>
+              <a:t>10/10/2025</a:t>
             </a:fld>
             <a:endParaRPr lang="en-US"/>
           </a:p>
@@ -3119,7 +3036,7 @@
           <a:p>
             <a:fld id="{2AD76E7B-7EA4-1F45-811E-6318427F47B0}" type="datetime1">
               <a:rPr lang="en-US" smtClean="0"/>
-              <a:t>9/8/2025</a:t>
+              <a:t>10/10/2025</a:t>
             </a:fld>
             <a:endParaRPr lang="en-US"/>
           </a:p>
@@ -3433,7 +3350,7 @@
           <a:p>
             <a:fld id="{CC6C6094-AAF0-DD4B-96E2-22EFC6CFCC8A}" type="datetime1">
               <a:rPr lang="en-US" smtClean="0"/>
-              <a:t>9/8/2025</a:t>
+              <a:t>10/10/2025</a:t>
             </a:fld>
             <a:endParaRPr lang="en-US"/>
           </a:p>
@@ -3724,7 +3641,7 @@
           <a:p>
             <a:fld id="{94294551-8571-4843-9360-5BE0706F1087}" type="datetime1">
               <a:rPr lang="en-US" smtClean="0"/>
-              <a:t>9/8/2025</a:t>
+              <a:t>10/10/2025</a:t>
             </a:fld>
             <a:endParaRPr lang="en-US"/>
           </a:p>
@@ -3968,7 +3885,7 @@
           <a:p>
             <a:fld id="{966DDEE6-831A-1840-B23B-63315631BC70}" type="datetime1">
               <a:rPr lang="en-US" smtClean="0"/>
-              <a:t>9/8/2025</a:t>
+              <a:t>10/10/2025</a:t>
             </a:fld>
             <a:endParaRPr lang="en-US"/>
           </a:p>
@@ -4560,7 +4477,7 @@
           <p:nvPr>
             <p:extLst>
               <p:ext uri="{D42A27DB-BD31-4B8C-83A1-F6EECF244321}">
-                <p14:modId xmlns:p14="http://schemas.microsoft.com/office/powerpoint/2010/main" val="103914880"/>
+                <p14:modId xmlns:p14="http://schemas.microsoft.com/office/powerpoint/2010/main" val="4176205867"/>
               </p:ext>
             </p:extLst>
           </p:nvPr>
@@ -4848,7 +4765,7 @@
                           <a:latin typeface="Calibri" panose="020F0502020204030204" pitchFamily="34" charset="0"/>
                           <a:cs typeface="Calibri" panose="020F0502020204030204" pitchFamily="34" charset="0"/>
                         </a:rPr>
-                        <a:t>Ortholog Identity </a:t>
+                        <a:t>Ortholog Identity (ECD)</a:t>
                       </a:r>
                     </a:p>
                     <a:p>
@@ -5187,36 +5104,6 @@
       </p:grpSpPr>
       <p:sp>
         <p:nvSpPr>
-          <p:cNvPr id="3" name="Picture Placeholder 2">
-            <a:extLst>
-              <a:ext uri="{FF2B5EF4-FFF2-40B4-BE49-F238E27FC236}">
-                <a16:creationId xmlns:a16="http://schemas.microsoft.com/office/drawing/2014/main" id="{3F8D5A7E-99F4-25CB-D003-8661E45A7E60}"/>
-              </a:ext>
-            </a:extLst>
-          </p:cNvPr>
-          <p:cNvSpPr>
-            <a:spLocks noGrp="1"/>
-          </p:cNvSpPr>
-          <p:nvPr>
-            <p:ph type="pic" idx="1"/>
-          </p:nvPr>
-        </p:nvSpPr>
-        <p:spPr>
-          <a:xfrm>
-            <a:off x="421640" y="987425"/>
-            <a:ext cx="11242040" cy="4873625"/>
-          </a:xfrm>
-        </p:spPr>
-        <p:txBody>
-          <a:bodyPr/>
-          <a:lstStyle/>
-          <a:p>
-            <a:endParaRPr lang="en-US"/>
-          </a:p>
-        </p:txBody>
-      </p:sp>
-      <p:sp>
-        <p:nvSpPr>
           <p:cNvPr id="5" name="Slide Number Placeholder 4">
             <a:extLst>
               <a:ext uri="{FF2B5EF4-FFF2-40B4-BE49-F238E27FC236}">
@@ -5300,7 +5187,7 @@
               <a:rPr lang="en-US" sz="2800" b="1" dirty="0">
                 <a:latin typeface="+mn-lt"/>
               </a:rPr>
-              <a:t>Protein Name - Human Seq Annotated</a:t>
+              <a:t>Protein Name - Human Sequence Annotated</a:t>
             </a:r>
           </a:p>
         </p:txBody>
@@ -5574,136 +5461,6 @@
           </a:p>
         </p:txBody>
       </p:sp>
-      <p:sp>
-        <p:nvSpPr>
-          <p:cNvPr id="14" name="Picture Placeholder 13">
-            <a:extLst>
-              <a:ext uri="{FF2B5EF4-FFF2-40B4-BE49-F238E27FC236}">
-                <a16:creationId xmlns:a16="http://schemas.microsoft.com/office/drawing/2014/main" id="{343C770A-24AD-40B0-8D9E-D40EFE628B8C}"/>
-              </a:ext>
-            </a:extLst>
-          </p:cNvPr>
-          <p:cNvSpPr>
-            <a:spLocks noGrp="1"/>
-          </p:cNvSpPr>
-          <p:nvPr>
-            <p:ph type="pic" sz="quarter" idx="13"/>
-          </p:nvPr>
-        </p:nvSpPr>
-        <p:spPr/>
-        <p:txBody>
-          <a:bodyPr/>
-          <a:lstStyle/>
-          <a:p>
-            <a:endParaRPr lang="en-US"/>
-          </a:p>
-        </p:txBody>
-      </p:sp>
-      <p:sp>
-        <p:nvSpPr>
-          <p:cNvPr id="15" name="Picture Placeholder 14">
-            <a:extLst>
-              <a:ext uri="{FF2B5EF4-FFF2-40B4-BE49-F238E27FC236}">
-                <a16:creationId xmlns:a16="http://schemas.microsoft.com/office/drawing/2014/main" id="{4049C2CB-19A8-9C99-2A73-A662FA7A9EF7}"/>
-              </a:ext>
-            </a:extLst>
-          </p:cNvPr>
-          <p:cNvSpPr>
-            <a:spLocks noGrp="1"/>
-          </p:cNvSpPr>
-          <p:nvPr>
-            <p:ph type="pic" sz="quarter" idx="14"/>
-          </p:nvPr>
-        </p:nvSpPr>
-        <p:spPr/>
-        <p:txBody>
-          <a:bodyPr/>
-          <a:lstStyle/>
-          <a:p>
-            <a:endParaRPr lang="en-US"/>
-          </a:p>
-        </p:txBody>
-      </p:sp>
-      <p:sp>
-        <p:nvSpPr>
-          <p:cNvPr id="20" name="Picture Placeholder 19">
-            <a:extLst>
-              <a:ext uri="{FF2B5EF4-FFF2-40B4-BE49-F238E27FC236}">
-                <a16:creationId xmlns:a16="http://schemas.microsoft.com/office/drawing/2014/main" id="{F29C1F42-86AC-D1BF-B760-FB3D0FE6566D}"/>
-              </a:ext>
-            </a:extLst>
-          </p:cNvPr>
-          <p:cNvSpPr>
-            <a:spLocks noGrp="1"/>
-          </p:cNvSpPr>
-          <p:nvPr>
-            <p:ph type="pic" sz="quarter" idx="15"/>
-          </p:nvPr>
-        </p:nvSpPr>
-        <p:spPr/>
-        <p:txBody>
-          <a:bodyPr/>
-          <a:lstStyle/>
-          <a:p>
-            <a:endParaRPr lang="en-US"/>
-          </a:p>
-        </p:txBody>
-      </p:sp>
-      <p:sp>
-        <p:nvSpPr>
-          <p:cNvPr id="21" name="Picture Placeholder 20">
-            <a:extLst>
-              <a:ext uri="{FF2B5EF4-FFF2-40B4-BE49-F238E27FC236}">
-                <a16:creationId xmlns:a16="http://schemas.microsoft.com/office/drawing/2014/main" id="{F6D6A556-0D0C-60F4-D8F4-B20E5316FF7A}"/>
-              </a:ext>
-            </a:extLst>
-          </p:cNvPr>
-          <p:cNvSpPr>
-            <a:spLocks noGrp="1"/>
-          </p:cNvSpPr>
-          <p:nvPr>
-            <p:ph type="pic" sz="quarter" idx="16"/>
-          </p:nvPr>
-        </p:nvSpPr>
-        <p:spPr/>
-        <p:txBody>
-          <a:bodyPr/>
-          <a:lstStyle/>
-          <a:p>
-            <a:endParaRPr lang="en-US"/>
-          </a:p>
-        </p:txBody>
-      </p:sp>
-      <p:sp>
-        <p:nvSpPr>
-          <p:cNvPr id="22" name="Picture Placeholder 21">
-            <a:extLst>
-              <a:ext uri="{FF2B5EF4-FFF2-40B4-BE49-F238E27FC236}">
-                <a16:creationId xmlns:a16="http://schemas.microsoft.com/office/drawing/2014/main" id="{DF89A7ED-1D54-0EEA-E6A0-8A994935731D}"/>
-              </a:ext>
-            </a:extLst>
-          </p:cNvPr>
-          <p:cNvSpPr>
-            <a:spLocks noGrp="1"/>
-          </p:cNvSpPr>
-          <p:nvPr>
-            <p:ph type="pic" sz="quarter" idx="17"/>
-          </p:nvPr>
-        </p:nvSpPr>
-        <p:spPr>
-          <a:xfrm>
-            <a:off x="9077959" y="3590933"/>
-            <a:ext cx="2743199" cy="3139757"/>
-          </a:xfrm>
-        </p:spPr>
-        <p:txBody>
-          <a:bodyPr/>
-          <a:lstStyle/>
-          <a:p>
-            <a:endParaRPr lang="en-US"/>
-          </a:p>
-        </p:txBody>
-      </p:sp>
       <p:graphicFrame>
         <p:nvGraphicFramePr>
           <p:cNvPr id="8" name="Table 11">
@@ -5719,14 +5476,14 @@
           <p:nvPr>
             <p:extLst>
               <p:ext uri="{D42A27DB-BD31-4B8C-83A1-F6EECF244321}">
-                <p14:modId xmlns:p14="http://schemas.microsoft.com/office/powerpoint/2010/main" val="3647625968"/>
+                <p14:modId xmlns:p14="http://schemas.microsoft.com/office/powerpoint/2010/main" val="4003603803"/>
               </p:ext>
             </p:extLst>
           </p:nvPr>
         </p:nvGraphicFramePr>
         <p:xfrm>
-          <a:off x="189529" y="4717062"/>
-          <a:ext cx="5195272" cy="1854009"/>
+          <a:off x="152241" y="4042359"/>
+          <a:ext cx="5195272" cy="2160871"/>
         </p:xfrm>
         <a:graphic>
           <a:graphicData uri="http://schemas.openxmlformats.org/drawingml/2006/table">
@@ -5998,6 +5755,43 @@
                   </a:ext>
                 </a:extLst>
               </a:tr>
+              <a:tr h="306862">
+                <a:tc>
+                  <a:txBody>
+                    <a:bodyPr/>
+                    <a:lstStyle/>
+                    <a:p>
+                      <a:endParaRPr lang="en-US" sz="1400" dirty="0"/>
+                    </a:p>
+                  </a:txBody>
+                  <a:tcPr/>
+                </a:tc>
+                <a:tc>
+                  <a:txBody>
+                    <a:bodyPr/>
+                    <a:lstStyle/>
+                    <a:p>
+                      <a:endParaRPr lang="en-US" sz="1400" dirty="0"/>
+                    </a:p>
+                  </a:txBody>
+                  <a:tcPr/>
+                </a:tc>
+                <a:tc>
+                  <a:txBody>
+                    <a:bodyPr/>
+                    <a:lstStyle/>
+                    <a:p>
+                      <a:endParaRPr lang="en-US" sz="1400" dirty="0"/>
+                    </a:p>
+                  </a:txBody>
+                  <a:tcPr/>
+                </a:tc>
+                <a:extLst>
+                  <a:ext uri="{0D108BD9-81ED-4DB2-BD59-A6C34878D82A}">
+                    <a16:rowId xmlns:a16="http://schemas.microsoft.com/office/drawing/2014/main" val="2580131693"/>
+                  </a:ext>
+                </a:extLst>
+              </a:tr>
             </a:tbl>
           </a:graphicData>
         </a:graphic>
@@ -6072,7 +5866,7 @@
         </p:nvSpPr>
         <p:spPr>
           <a:xfrm>
-            <a:off x="6421120" y="3440187"/>
+            <a:off x="6873881" y="269336"/>
             <a:ext cx="2092326" cy="523220"/>
           </a:xfrm>
           <a:prstGeom prst="rect">
@@ -6113,7 +5907,7 @@
         </p:nvSpPr>
         <p:spPr>
           <a:xfrm>
-            <a:off x="10931369" y="3440187"/>
+            <a:off x="6873881" y="822960"/>
             <a:ext cx="2092326" cy="523220"/>
           </a:xfrm>
           <a:prstGeom prst="rect">
@@ -6342,7 +6136,7 @@
         </p:nvSpPr>
         <p:spPr>
           <a:xfrm>
-            <a:off x="6323012" y="6277302"/>
+            <a:off x="6873881" y="1376584"/>
             <a:ext cx="2092326" cy="523220"/>
           </a:xfrm>
           <a:prstGeom prst="rect">
@@ -6383,7 +6177,7 @@
         </p:nvSpPr>
         <p:spPr>
           <a:xfrm>
-            <a:off x="9145970" y="6295847"/>
+            <a:off x="6873881" y="1930208"/>
             <a:ext cx="1329680" cy="523220"/>
           </a:xfrm>
           <a:prstGeom prst="rect">
@@ -6441,6 +6235,47 @@
             <a:r>
               <a:rPr lang="en-US" sz="1400" dirty="0"/>
               <a:t>Human</a:t>
+            </a:r>
+          </a:p>
+        </p:txBody>
+      </p:sp>
+      <p:sp>
+        <p:nvSpPr>
+          <p:cNvPr id="4" name="TextBox 3">
+            <a:extLst>
+              <a:ext uri="{FF2B5EF4-FFF2-40B4-BE49-F238E27FC236}">
+                <a16:creationId xmlns:a16="http://schemas.microsoft.com/office/drawing/2014/main" id="{BBD6DAAD-8434-E4DD-264C-10C0F7C3585A}"/>
+              </a:ext>
+            </a:extLst>
+          </p:cNvPr>
+          <p:cNvSpPr txBox="1"/>
+          <p:nvPr/>
+        </p:nvSpPr>
+        <p:spPr>
+          <a:xfrm>
+            <a:off x="6873881" y="2453428"/>
+            <a:ext cx="2092326" cy="523220"/>
+          </a:xfrm>
+          <a:prstGeom prst="rect">
+            <a:avLst/>
+          </a:prstGeom>
+          <a:noFill/>
+        </p:spPr>
+        <p:txBody>
+          <a:bodyPr wrap="square" rtlCol="0">
+            <a:spAutoFit/>
+          </a:bodyPr>
+          <a:lstStyle/>
+          <a:p>
+            <a:r>
+              <a:rPr lang="en-US" sz="1400" dirty="0"/>
+              <a:t>Caption</a:t>
+            </a:r>
+          </a:p>
+          <a:p>
+            <a:r>
+              <a:rPr lang="en-US" sz="1400" dirty="0"/>
+              <a:t>RMSD</a:t>
             </a:r>
           </a:p>
         </p:txBody>

--- a/assets/template.pptx
+++ b/assets/template.pptx
@@ -125,7 +125,7 @@
 <file path=ppt/revisionInfo.xml><?xml version="1.0" encoding="utf-8"?>
 <p1510:revInfo xmlns:a="http://schemas.openxmlformats.org/drawingml/2006/main" xmlns:r="http://schemas.openxmlformats.org/officeDocument/2006/relationships" xmlns:p1510="http://schemas.microsoft.com/office/powerpoint/2015/10/main">
   <p1510:revLst>
-    <p1510:client id="{72F1E4F3-0FD2-477E-A43E-64230CB61480}" v="12" dt="2025-10-10T15:49:03.864"/>
+    <p1510:client id="{810FBA3B-ABAE-4E9B-916E-1A21F107C294}" v="1" dt="2025-12-04T15:20:55.316"/>
   </p1510:revLst>
 </p1510:revInfo>
 </file>
@@ -145,14 +145,6 @@
           <pc:docMk/>
           <pc:sldMk cId="2280636616" sldId="262"/>
         </pc:sldMkLst>
-        <pc:graphicFrameChg chg="modGraphic">
-          <ac:chgData name="Cha, Curie (ext)" userId="ded769b9-f891-4fbd-9aac-296009cad227" providerId="ADAL" clId="{72F1E4F3-0FD2-477E-A43E-64230CB61480}" dt="2025-10-02T17:37:48.097" v="123" actId="20577"/>
-          <ac:graphicFrameMkLst>
-            <pc:docMk/>
-            <pc:sldMk cId="2280636616" sldId="262"/>
-            <ac:graphicFrameMk id="10" creationId="{3C35035B-3577-E672-9583-0212CAEC1FBE}"/>
-          </ac:graphicFrameMkLst>
-        </pc:graphicFrameChg>
       </pc:sldChg>
       <pc:sldChg chg="addSp delSp modSp mod">
         <pc:chgData name="Cha, Curie (ext)" userId="ded769b9-f891-4fbd-9aac-296009cad227" providerId="ADAL" clId="{72F1E4F3-0FD2-477E-A43E-64230CB61480}" dt="2025-10-10T15:48:06.944" v="143" actId="478"/>
@@ -160,22 +152,6 @@
           <pc:docMk/>
           <pc:sldMk cId="2866622724" sldId="264"/>
         </pc:sldMkLst>
-        <pc:spChg chg="add del">
-          <ac:chgData name="Cha, Curie (ext)" userId="ded769b9-f891-4fbd-9aac-296009cad227" providerId="ADAL" clId="{72F1E4F3-0FD2-477E-A43E-64230CB61480}" dt="2025-10-10T15:48:06.944" v="143" actId="478"/>
-          <ac:spMkLst>
-            <pc:docMk/>
-            <pc:sldMk cId="2866622724" sldId="264"/>
-            <ac:spMk id="3" creationId="{3F8D5A7E-99F4-25CB-D003-8661E45A7E60}"/>
-          </ac:spMkLst>
-        </pc:spChg>
-        <pc:spChg chg="mod">
-          <ac:chgData name="Cha, Curie (ext)" userId="ded769b9-f891-4fbd-9aac-296009cad227" providerId="ADAL" clId="{72F1E4F3-0FD2-477E-A43E-64230CB61480}" dt="2025-10-02T17:37:23.608" v="118" actId="20577"/>
-          <ac:spMkLst>
-            <pc:docMk/>
-            <pc:sldMk cId="2866622724" sldId="264"/>
-            <ac:spMk id="6" creationId="{C71C37F5-FE65-EE1E-0C4F-84CF5B3988D4}"/>
-          </ac:spMkLst>
-        </pc:spChg>
       </pc:sldChg>
       <pc:sldChg chg="delSp del mod">
         <pc:chgData name="Cha, Curie (ext)" userId="ded769b9-f891-4fbd-9aac-296009cad227" providerId="ADAL" clId="{72F1E4F3-0FD2-477E-A43E-64230CB61480}" dt="2025-09-08T19:53:11.448" v="21" actId="47"/>
@@ -197,126 +173,6 @@
           <pc:docMk/>
           <pc:sldMk cId="100202423" sldId="271"/>
         </pc:sldMkLst>
-        <pc:spChg chg="mod ord">
-          <ac:chgData name="Cha, Curie (ext)" userId="ded769b9-f891-4fbd-9aac-296009cad227" providerId="ADAL" clId="{72F1E4F3-0FD2-477E-A43E-64230CB61480}" dt="2025-09-09T02:16:25.068" v="71" actId="1076"/>
-          <ac:spMkLst>
-            <pc:docMk/>
-            <pc:sldMk cId="100202423" sldId="271"/>
-            <ac:spMk id="2" creationId="{CE44976F-B93B-BC7C-B7A7-7B8CC8014044}"/>
-          </ac:spMkLst>
-        </pc:spChg>
-        <pc:spChg chg="mod ord">
-          <ac:chgData name="Cha, Curie (ext)" userId="ded769b9-f891-4fbd-9aac-296009cad227" providerId="ADAL" clId="{72F1E4F3-0FD2-477E-A43E-64230CB61480}" dt="2025-09-09T02:15:49.821" v="68" actId="1076"/>
-          <ac:spMkLst>
-            <pc:docMk/>
-            <pc:sldMk cId="100202423" sldId="271"/>
-            <ac:spMk id="3" creationId="{8CF068EA-580D-E909-1975-5864FDA01D24}"/>
-          </ac:spMkLst>
-        </pc:spChg>
-        <pc:spChg chg="add mod">
-          <ac:chgData name="Cha, Curie (ext)" userId="ded769b9-f891-4fbd-9aac-296009cad227" providerId="ADAL" clId="{72F1E4F3-0FD2-477E-A43E-64230CB61480}" dt="2025-10-10T15:49:06.336" v="149" actId="1076"/>
-          <ac:spMkLst>
-            <pc:docMk/>
-            <pc:sldMk cId="100202423" sldId="271"/>
-            <ac:spMk id="4" creationId="{BBD6DAAD-8434-E4DD-264C-10C0F7C3585A}"/>
-          </ac:spMkLst>
-        </pc:spChg>
-        <pc:spChg chg="add del mod">
-          <ac:chgData name="Cha, Curie (ext)" userId="ded769b9-f891-4fbd-9aac-296009cad227" providerId="ADAL" clId="{72F1E4F3-0FD2-477E-A43E-64230CB61480}" dt="2025-10-10T15:48:34.368" v="147" actId="1076"/>
-          <ac:spMkLst>
-            <pc:docMk/>
-            <pc:sldMk cId="100202423" sldId="271"/>
-            <ac:spMk id="5" creationId="{1C3561A8-13C9-B39D-7A57-0B9D761D97FA}"/>
-          </ac:spMkLst>
-        </pc:spChg>
-        <pc:spChg chg="add mod">
-          <ac:chgData name="Cha, Curie (ext)" userId="ded769b9-f891-4fbd-9aac-296009cad227" providerId="ADAL" clId="{72F1E4F3-0FD2-477E-A43E-64230CB61480}" dt="2025-09-09T02:39:11.190" v="110" actId="1076"/>
-          <ac:spMkLst>
-            <pc:docMk/>
-            <pc:sldMk cId="100202423" sldId="271"/>
-            <ac:spMk id="6" creationId="{DF4C3044-D165-CEB5-D2F9-072546A9B015}"/>
-          </ac:spMkLst>
-        </pc:spChg>
-        <pc:spChg chg="add del mod">
-          <ac:chgData name="Cha, Curie (ext)" userId="ded769b9-f891-4fbd-9aac-296009cad227" providerId="ADAL" clId="{72F1E4F3-0FD2-477E-A43E-64230CB61480}" dt="2025-10-10T15:48:13.513" v="144" actId="1076"/>
-          <ac:spMkLst>
-            <pc:docMk/>
-            <pc:sldMk cId="100202423" sldId="271"/>
-            <ac:spMk id="10" creationId="{F27F7027-A04D-55C8-8F1D-74EE28CC88D1}"/>
-          </ac:spMkLst>
-        </pc:spChg>
-        <pc:spChg chg="add del mod">
-          <ac:chgData name="Cha, Curie (ext)" userId="ded769b9-f891-4fbd-9aac-296009cad227" providerId="ADAL" clId="{72F1E4F3-0FD2-477E-A43E-64230CB61480}" dt="2025-10-10T15:48:18.590" v="145" actId="1076"/>
-          <ac:spMkLst>
-            <pc:docMk/>
-            <pc:sldMk cId="100202423" sldId="271"/>
-            <ac:spMk id="11" creationId="{5081264D-9E52-A65A-604E-3C87C6A51409}"/>
-          </ac:spMkLst>
-        </pc:spChg>
-        <pc:spChg chg="add del mod ord">
-          <ac:chgData name="Cha, Curie (ext)" userId="ded769b9-f891-4fbd-9aac-296009cad227" providerId="ADAL" clId="{72F1E4F3-0FD2-477E-A43E-64230CB61480}" dt="2025-10-10T15:48:05.993" v="142" actId="478"/>
-          <ac:spMkLst>
-            <pc:docMk/>
-            <pc:sldMk cId="100202423" sldId="271"/>
-            <ac:spMk id="14" creationId="{343C770A-24AD-40B0-8D9E-D40EFE628B8C}"/>
-          </ac:spMkLst>
-        </pc:spChg>
-        <pc:spChg chg="add del mod ord">
-          <ac:chgData name="Cha, Curie (ext)" userId="ded769b9-f891-4fbd-9aac-296009cad227" providerId="ADAL" clId="{72F1E4F3-0FD2-477E-A43E-64230CB61480}" dt="2025-10-10T15:46:57.855" v="124" actId="478"/>
-          <ac:spMkLst>
-            <pc:docMk/>
-            <pc:sldMk cId="100202423" sldId="271"/>
-            <ac:spMk id="15" creationId="{4049C2CB-19A8-9C99-2A73-A662FA7A9EF7}"/>
-          </ac:spMkLst>
-        </pc:spChg>
-        <pc:spChg chg="mod">
-          <ac:chgData name="Cha, Curie (ext)" userId="ded769b9-f891-4fbd-9aac-296009cad227" providerId="ADAL" clId="{72F1E4F3-0FD2-477E-A43E-64230CB61480}" dt="2025-09-09T02:31:54.076" v="85" actId="1076"/>
-          <ac:spMkLst>
-            <pc:docMk/>
-            <pc:sldMk cId="100202423" sldId="271"/>
-            <ac:spMk id="18" creationId="{60BAEE60-722D-D98A-CBF2-01843922722E}"/>
-          </ac:spMkLst>
-        </pc:spChg>
-        <pc:spChg chg="add del mod ord">
-          <ac:chgData name="Cha, Curie (ext)" userId="ded769b9-f891-4fbd-9aac-296009cad227" providerId="ADAL" clId="{72F1E4F3-0FD2-477E-A43E-64230CB61480}" dt="2025-10-10T15:46:58.475" v="125" actId="478"/>
-          <ac:spMkLst>
-            <pc:docMk/>
-            <pc:sldMk cId="100202423" sldId="271"/>
-            <ac:spMk id="20" creationId="{F29C1F42-86AC-D1BF-B760-FB3D0FE6566D}"/>
-          </ac:spMkLst>
-        </pc:spChg>
-        <pc:spChg chg="add del mod ord">
-          <ac:chgData name="Cha, Curie (ext)" userId="ded769b9-f891-4fbd-9aac-296009cad227" providerId="ADAL" clId="{72F1E4F3-0FD2-477E-A43E-64230CB61480}" dt="2025-10-10T15:48:05.553" v="141" actId="478"/>
-          <ac:spMkLst>
-            <pc:docMk/>
-            <pc:sldMk cId="100202423" sldId="271"/>
-            <ac:spMk id="21" creationId="{F6D6A556-0D0C-60F4-D8F4-B20E5316FF7A}"/>
-          </ac:spMkLst>
-        </pc:spChg>
-        <pc:spChg chg="add del mod ord">
-          <ac:chgData name="Cha, Curie (ext)" userId="ded769b9-f891-4fbd-9aac-296009cad227" providerId="ADAL" clId="{72F1E4F3-0FD2-477E-A43E-64230CB61480}" dt="2025-10-10T15:46:59.353" v="126" actId="478"/>
-          <ac:spMkLst>
-            <pc:docMk/>
-            <pc:sldMk cId="100202423" sldId="271"/>
-            <ac:spMk id="22" creationId="{DF89A7ED-1D54-0EEA-E6A0-8A994935731D}"/>
-          </ac:spMkLst>
-        </pc:spChg>
-        <pc:spChg chg="add del mod">
-          <ac:chgData name="Cha, Curie (ext)" userId="ded769b9-f891-4fbd-9aac-296009cad227" providerId="ADAL" clId="{72F1E4F3-0FD2-477E-A43E-64230CB61480}" dt="2025-10-10T15:48:22.827" v="146" actId="1076"/>
-          <ac:spMkLst>
-            <pc:docMk/>
-            <pc:sldMk cId="100202423" sldId="271"/>
-            <ac:spMk id="23" creationId="{39CAD10E-C358-B1EC-CD9A-C3CBCBAFF033}"/>
-          </ac:spMkLst>
-        </pc:spChg>
-        <pc:graphicFrameChg chg="mod modGraphic">
-          <ac:chgData name="Cha, Curie (ext)" userId="ded769b9-f891-4fbd-9aac-296009cad227" providerId="ADAL" clId="{72F1E4F3-0FD2-477E-A43E-64230CB61480}" dt="2025-09-26T18:28:33.011" v="113" actId="2161"/>
-          <ac:graphicFrameMkLst>
-            <pc:docMk/>
-            <pc:sldMk cId="100202423" sldId="271"/>
-            <ac:graphicFrameMk id="8" creationId="{DBF27CDD-852C-001C-4687-381A4204FF4D}"/>
-          </ac:graphicFrameMkLst>
-        </pc:graphicFrameChg>
       </pc:sldChg>
       <pc:sldChg chg="addSp modSp new mod">
         <pc:chgData name="Cha, Curie (ext)" userId="ded769b9-f891-4fbd-9aac-296009cad227" providerId="ADAL" clId="{72F1E4F3-0FD2-477E-A43E-64230CB61480}" dt="2025-09-08T19:53:07.941" v="20" actId="1076"/>
@@ -324,38 +180,6 @@
           <pc:docMk/>
           <pc:sldMk cId="1074912977" sldId="272"/>
         </pc:sldMkLst>
-        <pc:spChg chg="mod">
-          <ac:chgData name="Cha, Curie (ext)" userId="ded769b9-f891-4fbd-9aac-296009cad227" providerId="ADAL" clId="{72F1E4F3-0FD2-477E-A43E-64230CB61480}" dt="2025-09-08T19:53:07.941" v="20" actId="1076"/>
-          <ac:spMkLst>
-            <pc:docMk/>
-            <pc:sldMk cId="1074912977" sldId="272"/>
-            <ac:spMk id="2" creationId="{75A548D2-79B3-EE48-BC40-2B6D29DA3798}"/>
-          </ac:spMkLst>
-        </pc:spChg>
-        <pc:spChg chg="mod">
-          <ac:chgData name="Cha, Curie (ext)" userId="ded769b9-f891-4fbd-9aac-296009cad227" providerId="ADAL" clId="{72F1E4F3-0FD2-477E-A43E-64230CB61480}" dt="2025-09-08T19:52:33.997" v="14" actId="1076"/>
-          <ac:spMkLst>
-            <pc:docMk/>
-            <pc:sldMk cId="1074912977" sldId="272"/>
-            <ac:spMk id="3" creationId="{BB6916B0-9B96-DEB6-B17F-E3CE6EC902E1}"/>
-          </ac:spMkLst>
-        </pc:spChg>
-        <pc:spChg chg="add mod">
-          <ac:chgData name="Cha, Curie (ext)" userId="ded769b9-f891-4fbd-9aac-296009cad227" providerId="ADAL" clId="{72F1E4F3-0FD2-477E-A43E-64230CB61480}" dt="2025-09-08T19:52:17.918" v="12"/>
-          <ac:spMkLst>
-            <pc:docMk/>
-            <pc:sldMk cId="1074912977" sldId="272"/>
-            <ac:spMk id="4" creationId="{07345421-4EA8-0E92-8ABD-C0E3828820F3}"/>
-          </ac:spMkLst>
-        </pc:spChg>
-        <pc:spChg chg="add mod">
-          <ac:chgData name="Cha, Curie (ext)" userId="ded769b9-f891-4fbd-9aac-296009cad227" providerId="ADAL" clId="{72F1E4F3-0FD2-477E-A43E-64230CB61480}" dt="2025-09-08T19:52:24.558" v="13"/>
-          <ac:spMkLst>
-            <pc:docMk/>
-            <pc:sldMk cId="1074912977" sldId="272"/>
-            <ac:spMk id="5" creationId="{FCFA73D3-8A64-D696-509B-0762F9BE19C6}"/>
-          </ac:spMkLst>
-        </pc:spChg>
       </pc:sldChg>
       <pc:sldChg chg="addSp delSp modSp new del">
         <pc:chgData name="Cha, Curie (ext)" userId="ded769b9-f891-4fbd-9aac-296009cad227" providerId="ADAL" clId="{72F1E4F3-0FD2-477E-A43E-64230CB61480}" dt="2025-09-08T19:50:58.613" v="7" actId="47"/>
@@ -392,44 +216,32 @@
             <pc:sldMasterMk cId="2897594611" sldId="2147483648"/>
             <pc:sldLayoutMk cId="509637265" sldId="2147483660"/>
           </pc:sldLayoutMkLst>
-          <pc:spChg chg="add mod">
-            <ac:chgData name="Cha, Curie (ext)" userId="ded769b9-f891-4fbd-9aac-296009cad227" providerId="ADAL" clId="{72F1E4F3-0FD2-477E-A43E-64230CB61480}" dt="2025-09-09T02:14:32.258" v="55" actId="1076"/>
-            <ac:spMkLst>
-              <pc:docMk/>
-              <pc:sldMasterMk cId="2897594611" sldId="2147483648"/>
-              <pc:sldLayoutMk cId="509637265" sldId="2147483660"/>
-              <ac:spMk id="2" creationId="{7811FA55-B6DE-04A7-2953-524FA4331F3A}"/>
-            </ac:spMkLst>
-          </pc:spChg>
-          <pc:spChg chg="mod">
-            <ac:chgData name="Cha, Curie (ext)" userId="ded769b9-f891-4fbd-9aac-296009cad227" providerId="ADAL" clId="{72F1E4F3-0FD2-477E-A43E-64230CB61480}" dt="2025-09-09T02:14:21.013" v="51" actId="1076"/>
-            <ac:spMkLst>
-              <pc:docMk/>
-              <pc:sldMasterMk cId="2897594611" sldId="2147483648"/>
-              <pc:sldLayoutMk cId="509637265" sldId="2147483660"/>
-              <ac:spMk id="6" creationId="{8EA1A38F-2DEE-DA69-64C7-DA8A62F660F5}"/>
-            </ac:spMkLst>
-          </pc:spChg>
-          <pc:spChg chg="mod">
-            <ac:chgData name="Cha, Curie (ext)" userId="ded769b9-f891-4fbd-9aac-296009cad227" providerId="ADAL" clId="{72F1E4F3-0FD2-477E-A43E-64230CB61480}" dt="2025-09-09T02:14:23.717" v="52" actId="1076"/>
-            <ac:spMkLst>
-              <pc:docMk/>
-              <pc:sldMasterMk cId="2897594611" sldId="2147483648"/>
-              <pc:sldLayoutMk cId="509637265" sldId="2147483660"/>
-              <ac:spMk id="9" creationId="{AEDEAFAA-573F-6D6D-C302-CB7B19B81843}"/>
-            </ac:spMkLst>
-          </pc:spChg>
-          <pc:spChg chg="mod">
-            <ac:chgData name="Cha, Curie (ext)" userId="ded769b9-f891-4fbd-9aac-296009cad227" providerId="ADAL" clId="{72F1E4F3-0FD2-477E-A43E-64230CB61480}" dt="2025-09-09T02:14:27.461" v="53" actId="1076"/>
-            <ac:spMkLst>
-              <pc:docMk/>
-              <pc:sldMasterMk cId="2897594611" sldId="2147483648"/>
-              <pc:sldLayoutMk cId="509637265" sldId="2147483660"/>
-              <ac:spMk id="10" creationId="{93AC2B28-4306-D423-6641-9D9C077E009C}"/>
-            </ac:spMkLst>
-          </pc:spChg>
         </pc:sldLayoutChg>
       </pc:sldMasterChg>
+    </pc:docChg>
+  </pc:docChgLst>
+  <pc:docChgLst>
+    <pc:chgData name="Cha, Curie (ext)" userId="ded769b9-f891-4fbd-9aac-296009cad227" providerId="ADAL" clId="{65380985-89A3-4F39-B42A-8BAA75E29D56}"/>
+    <pc:docChg chg="modSld">
+      <pc:chgData name="Cha, Curie (ext)" userId="ded769b9-f891-4fbd-9aac-296009cad227" providerId="ADAL" clId="{65380985-89A3-4F39-B42A-8BAA75E29D56}" dt="2025-12-04T15:20:57.508" v="1" actId="1076"/>
+      <pc:docMkLst>
+        <pc:docMk/>
+      </pc:docMkLst>
+      <pc:sldChg chg="addSp modSp mod">
+        <pc:chgData name="Cha, Curie (ext)" userId="ded769b9-f891-4fbd-9aac-296009cad227" providerId="ADAL" clId="{65380985-89A3-4F39-B42A-8BAA75E29D56}" dt="2025-12-04T15:20:57.508" v="1" actId="1076"/>
+        <pc:sldMkLst>
+          <pc:docMk/>
+          <pc:sldMk cId="100202423" sldId="271"/>
+        </pc:sldMkLst>
+        <pc:spChg chg="add mod">
+          <ac:chgData name="Cha, Curie (ext)" userId="ded769b9-f891-4fbd-9aac-296009cad227" providerId="ADAL" clId="{65380985-89A3-4F39-B42A-8BAA75E29D56}" dt="2025-12-04T15:20:57.508" v="1" actId="1076"/>
+          <ac:spMkLst>
+            <pc:docMk/>
+            <pc:sldMk cId="100202423" sldId="271"/>
+            <ac:spMk id="7" creationId="{175AEC95-8D36-1F69-3B00-222E29AC434B}"/>
+          </ac:spMkLst>
+        </pc:spChg>
+      </pc:sldChg>
     </pc:docChg>
   </pc:docChgLst>
 </pc:chgInfo>
@@ -517,7 +329,7 @@
           <a:p>
             <a:fld id="{3D35C63F-2105-BE4D-B527-2F529C382CE3}" type="datetimeFigureOut">
               <a:rPr lang="en-US" smtClean="0"/>
-              <a:t>10/10/2025</a:t>
+              <a:t>12/4/2025</a:t>
             </a:fld>
             <a:endParaRPr lang="en-US"/>
           </a:p>
@@ -931,7 +743,7 @@
           <a:p>
             <a:fld id="{B06752D5-78E2-A847-9C3B-189A3B26818D}" type="datetime1">
               <a:rPr lang="en-US" smtClean="0"/>
-              <a:t>10/10/2025</a:t>
+              <a:t>12/4/2025</a:t>
             </a:fld>
             <a:endParaRPr lang="en-US"/>
           </a:p>
@@ -1047,7 +859,7 @@
           <a:p>
             <a:fld id="{388ACBCC-99E6-FE44-9ACC-953181C011A7}" type="datetime1">
               <a:rPr lang="en-US" smtClean="0"/>
-              <a:t>10/10/2025</a:t>
+              <a:t>12/4/2025</a:t>
             </a:fld>
             <a:endParaRPr lang="en-US"/>
           </a:p>
@@ -1403,7 +1215,7 @@
           <a:p>
             <a:fld id="{8BE48B6B-F1AB-B84A-84D7-8652902395E6}" type="datetime1">
               <a:rPr lang="en-US" smtClean="0"/>
-              <a:t>10/10/2025</a:t>
+              <a:t>12/4/2025</a:t>
             </a:fld>
             <a:endParaRPr lang="en-US"/>
           </a:p>
@@ -1614,7 +1426,7 @@
           <a:p>
             <a:fld id="{DBB5A80F-23F3-D14B-A04A-2443AD3C8C1D}" type="datetime1">
               <a:rPr lang="en-US" smtClean="0"/>
-              <a:t>10/10/2025</a:t>
+              <a:t>12/4/2025</a:t>
             </a:fld>
             <a:endParaRPr lang="en-US"/>
           </a:p>
@@ -1815,7 +1627,7 @@
           <a:p>
             <a:fld id="{B4924098-444B-1F4A-964D-453B90BB09B8}" type="datetime1">
               <a:rPr lang="en-US" smtClean="0"/>
-              <a:t>10/10/2025</a:t>
+              <a:t>12/4/2025</a:t>
             </a:fld>
             <a:endParaRPr lang="en-US"/>
           </a:p>
@@ -2093,7 +1905,7 @@
           <a:p>
             <a:fld id="{64AA80EC-5C39-424E-BCDB-7253578D21E1}" type="datetime1">
               <a:rPr lang="en-US" smtClean="0"/>
-              <a:t>10/10/2025</a:t>
+              <a:t>12/4/2025</a:t>
             </a:fld>
             <a:endParaRPr lang="en-US"/>
           </a:p>
@@ -2361,7 +2173,7 @@
           <a:p>
             <a:fld id="{B62BE381-6531-BD4E-A14F-C7F7891665A3}" type="datetime1">
               <a:rPr lang="en-US" smtClean="0"/>
-              <a:t>10/10/2025</a:t>
+              <a:t>12/4/2025</a:t>
             </a:fld>
             <a:endParaRPr lang="en-US"/>
           </a:p>
@@ -2776,7 +2588,7 @@
           <a:p>
             <a:fld id="{EFF9B324-5E84-A143-AFFD-96C685045931}" type="datetime1">
               <a:rPr lang="en-US" smtClean="0"/>
-              <a:t>10/10/2025</a:t>
+              <a:t>12/4/2025</a:t>
             </a:fld>
             <a:endParaRPr lang="en-US"/>
           </a:p>
@@ -2920,7 +2732,7 @@
           <a:p>
             <a:fld id="{5E03C108-A023-064E-AD84-0599AE6A4C7B}" type="datetime1">
               <a:rPr lang="en-US" smtClean="0"/>
-              <a:t>10/10/2025</a:t>
+              <a:t>12/4/2025</a:t>
             </a:fld>
             <a:endParaRPr lang="en-US"/>
           </a:p>
@@ -3036,7 +2848,7 @@
           <a:p>
             <a:fld id="{2AD76E7B-7EA4-1F45-811E-6318427F47B0}" type="datetime1">
               <a:rPr lang="en-US" smtClean="0"/>
-              <a:t>10/10/2025</a:t>
+              <a:t>12/4/2025</a:t>
             </a:fld>
             <a:endParaRPr lang="en-US"/>
           </a:p>
@@ -3350,7 +3162,7 @@
           <a:p>
             <a:fld id="{CC6C6094-AAF0-DD4B-96E2-22EFC6CFCC8A}" type="datetime1">
               <a:rPr lang="en-US" smtClean="0"/>
-              <a:t>10/10/2025</a:t>
+              <a:t>12/4/2025</a:t>
             </a:fld>
             <a:endParaRPr lang="en-US"/>
           </a:p>
@@ -3641,7 +3453,7 @@
           <a:p>
             <a:fld id="{94294551-8571-4843-9360-5BE0706F1087}" type="datetime1">
               <a:rPr lang="en-US" smtClean="0"/>
-              <a:t>10/10/2025</a:t>
+              <a:t>12/4/2025</a:t>
             </a:fld>
             <a:endParaRPr lang="en-US"/>
           </a:p>
@@ -3885,7 +3697,7 @@
           <a:p>
             <a:fld id="{966DDEE6-831A-1840-B23B-63315631BC70}" type="datetime1">
               <a:rPr lang="en-US" smtClean="0"/>
-              <a:t>10/10/2025</a:t>
+              <a:t>12/4/2025</a:t>
             </a:fld>
             <a:endParaRPr lang="en-US"/>
           </a:p>
@@ -6254,6 +6066,47 @@
         <p:spPr>
           <a:xfrm>
             <a:off x="6873881" y="2453428"/>
+            <a:ext cx="2092326" cy="523220"/>
+          </a:xfrm>
+          <a:prstGeom prst="rect">
+            <a:avLst/>
+          </a:prstGeom>
+          <a:noFill/>
+        </p:spPr>
+        <p:txBody>
+          <a:bodyPr wrap="square" rtlCol="0">
+            <a:spAutoFit/>
+          </a:bodyPr>
+          <a:lstStyle/>
+          <a:p>
+            <a:r>
+              <a:rPr lang="en-US" sz="1400" dirty="0"/>
+              <a:t>Caption</a:t>
+            </a:r>
+          </a:p>
+          <a:p>
+            <a:r>
+              <a:rPr lang="en-US" sz="1400" dirty="0"/>
+              <a:t>RMSD</a:t>
+            </a:r>
+          </a:p>
+        </p:txBody>
+      </p:sp>
+      <p:sp>
+        <p:nvSpPr>
+          <p:cNvPr id="7" name="TextBox 6">
+            <a:extLst>
+              <a:ext uri="{FF2B5EF4-FFF2-40B4-BE49-F238E27FC236}">
+                <a16:creationId xmlns:a16="http://schemas.microsoft.com/office/drawing/2014/main" id="{175AEC95-8D36-1F69-3B00-222E29AC434B}"/>
+              </a:ext>
+            </a:extLst>
+          </p:cNvPr>
+          <p:cNvSpPr txBox="1"/>
+          <p:nvPr/>
+        </p:nvSpPr>
+        <p:spPr>
+          <a:xfrm>
+            <a:off x="6873881" y="3007052"/>
             <a:ext cx="2092326" cy="523220"/>
           </a:xfrm>
           <a:prstGeom prst="rect">

--- a/assets/template.pptx
+++ b/assets/template.pptx
@@ -125,7 +125,7 @@
 <file path=ppt/revisionInfo.xml><?xml version="1.0" encoding="utf-8"?>
 <p1510:revInfo xmlns:a="http://schemas.openxmlformats.org/drawingml/2006/main" xmlns:r="http://schemas.openxmlformats.org/officeDocument/2006/relationships" xmlns:p1510="http://schemas.microsoft.com/office/powerpoint/2015/10/main">
   <p1510:revLst>
-    <p1510:client id="{810FBA3B-ABAE-4E9B-916E-1A21F107C294}" v="1" dt="2025-12-04T15:20:55.316"/>
+    <p1510:client id="{810FBA3B-ABAE-4E9B-916E-1A21F107C294}" v="7" dt="2025-12-04T15:46:16.334"/>
   </p1510:revLst>
 </p1510:revInfo>
 </file>
@@ -222,23 +222,111 @@
   </pc:docChgLst>
   <pc:docChgLst>
     <pc:chgData name="Cha, Curie (ext)" userId="ded769b9-f891-4fbd-9aac-296009cad227" providerId="ADAL" clId="{65380985-89A3-4F39-B42A-8BAA75E29D56}"/>
-    <pc:docChg chg="modSld">
-      <pc:chgData name="Cha, Curie (ext)" userId="ded769b9-f891-4fbd-9aac-296009cad227" providerId="ADAL" clId="{65380985-89A3-4F39-B42A-8BAA75E29D56}" dt="2025-12-04T15:20:57.508" v="1" actId="1076"/>
+    <pc:docChg chg="undo custSel modSld">
+      <pc:chgData name="Cha, Curie (ext)" userId="ded769b9-f891-4fbd-9aac-296009cad227" providerId="ADAL" clId="{65380985-89A3-4F39-B42A-8BAA75E29D56}" dt="2025-12-04T15:47:33.186" v="32" actId="14100"/>
       <pc:docMkLst>
         <pc:docMk/>
       </pc:docMkLst>
-      <pc:sldChg chg="addSp modSp mod">
-        <pc:chgData name="Cha, Curie (ext)" userId="ded769b9-f891-4fbd-9aac-296009cad227" providerId="ADAL" clId="{65380985-89A3-4F39-B42A-8BAA75E29D56}" dt="2025-12-04T15:20:57.508" v="1" actId="1076"/>
+      <pc:sldChg chg="addSp delSp modSp mod">
+        <pc:chgData name="Cha, Curie (ext)" userId="ded769b9-f891-4fbd-9aac-296009cad227" providerId="ADAL" clId="{65380985-89A3-4F39-B42A-8BAA75E29D56}" dt="2025-12-04T15:47:33.186" v="32" actId="14100"/>
         <pc:sldMkLst>
           <pc:docMk/>
           <pc:sldMk cId="100202423" sldId="271"/>
         </pc:sldMkLst>
-        <pc:spChg chg="add mod">
-          <ac:chgData name="Cha, Curie (ext)" userId="ded769b9-f891-4fbd-9aac-296009cad227" providerId="ADAL" clId="{65380985-89A3-4F39-B42A-8BAA75E29D56}" dt="2025-12-04T15:20:57.508" v="1" actId="1076"/>
+        <pc:spChg chg="del">
+          <ac:chgData name="Cha, Curie (ext)" userId="ded769b9-f891-4fbd-9aac-296009cad227" providerId="ADAL" clId="{65380985-89A3-4F39-B42A-8BAA75E29D56}" dt="2025-12-04T15:46:09.841" v="3" actId="478"/>
+          <ac:spMkLst>
+            <pc:docMk/>
+            <pc:sldMk cId="100202423" sldId="271"/>
+            <ac:spMk id="4" creationId="{BBD6DAAD-8434-E4DD-264C-10C0F7C3585A}"/>
+          </ac:spMkLst>
+        </pc:spChg>
+        <pc:spChg chg="del">
+          <ac:chgData name="Cha, Curie (ext)" userId="ded769b9-f891-4fbd-9aac-296009cad227" providerId="ADAL" clId="{65380985-89A3-4F39-B42A-8BAA75E29D56}" dt="2025-12-04T15:46:10.213" v="4" actId="478"/>
+          <ac:spMkLst>
+            <pc:docMk/>
+            <pc:sldMk cId="100202423" sldId="271"/>
+            <ac:spMk id="5" creationId="{1C3561A8-13C9-B39D-7A57-0B9D761D97FA}"/>
+          </ac:spMkLst>
+        </pc:spChg>
+        <pc:spChg chg="add del mod">
+          <ac:chgData name="Cha, Curie (ext)" userId="ded769b9-f891-4fbd-9aac-296009cad227" providerId="ADAL" clId="{65380985-89A3-4F39-B42A-8BAA75E29D56}" dt="2025-12-04T15:46:09.440" v="2" actId="478"/>
           <ac:spMkLst>
             <pc:docMk/>
             <pc:sldMk cId="100202423" sldId="271"/>
             <ac:spMk id="7" creationId="{175AEC95-8D36-1F69-3B00-222E29AC434B}"/>
+          </ac:spMkLst>
+        </pc:spChg>
+        <pc:spChg chg="del">
+          <ac:chgData name="Cha, Curie (ext)" userId="ded769b9-f891-4fbd-9aac-296009cad227" providerId="ADAL" clId="{65380985-89A3-4F39-B42A-8BAA75E29D56}" dt="2025-12-04T15:46:13.883" v="7" actId="478"/>
+          <ac:spMkLst>
+            <pc:docMk/>
+            <pc:sldMk cId="100202423" sldId="271"/>
+            <ac:spMk id="10" creationId="{F27F7027-A04D-55C8-8F1D-74EE28CC88D1}"/>
+          </ac:spMkLst>
+        </pc:spChg>
+        <pc:spChg chg="del">
+          <ac:chgData name="Cha, Curie (ext)" userId="ded769b9-f891-4fbd-9aac-296009cad227" providerId="ADAL" clId="{65380985-89A3-4F39-B42A-8BAA75E29D56}" dt="2025-12-04T15:46:11.123" v="6" actId="478"/>
+          <ac:spMkLst>
+            <pc:docMk/>
+            <pc:sldMk cId="100202423" sldId="271"/>
+            <ac:spMk id="11" creationId="{5081264D-9E52-A65A-604E-3C87C6A51409}"/>
+          </ac:spMkLst>
+        </pc:spChg>
+        <pc:spChg chg="add mod">
+          <ac:chgData name="Cha, Curie (ext)" userId="ded769b9-f891-4fbd-9aac-296009cad227" providerId="ADAL" clId="{65380985-89A3-4F39-B42A-8BAA75E29D56}" dt="2025-12-04T15:47:29.235" v="31" actId="14100"/>
+          <ac:spMkLst>
+            <pc:docMk/>
+            <pc:sldMk cId="100202423" sldId="271"/>
+            <ac:spMk id="12" creationId="{F90C34E7-B5F9-76FF-02C1-853D913CBCF6}"/>
+          </ac:spMkLst>
+        </pc:spChg>
+        <pc:spChg chg="add mod">
+          <ac:chgData name="Cha, Curie (ext)" userId="ded769b9-f891-4fbd-9aac-296009cad227" providerId="ADAL" clId="{65380985-89A3-4F39-B42A-8BAA75E29D56}" dt="2025-12-04T15:47:27.342" v="30" actId="14100"/>
+          <ac:spMkLst>
+            <pc:docMk/>
+            <pc:sldMk cId="100202423" sldId="271"/>
+            <ac:spMk id="13" creationId="{60472593-D881-736A-28BA-AFD30C23C4FE}"/>
+          </ac:spMkLst>
+        </pc:spChg>
+        <pc:spChg chg="add mod">
+          <ac:chgData name="Cha, Curie (ext)" userId="ded769b9-f891-4fbd-9aac-296009cad227" providerId="ADAL" clId="{65380985-89A3-4F39-B42A-8BAA75E29D56}" dt="2025-12-04T15:47:16.293" v="27" actId="14100"/>
+          <ac:spMkLst>
+            <pc:docMk/>
+            <pc:sldMk cId="100202423" sldId="271"/>
+            <ac:spMk id="14" creationId="{36DF184A-7C84-A780-A36B-067AB871CBA3}"/>
+          </ac:spMkLst>
+        </pc:spChg>
+        <pc:spChg chg="add mod">
+          <ac:chgData name="Cha, Curie (ext)" userId="ded769b9-f891-4fbd-9aac-296009cad227" providerId="ADAL" clId="{65380985-89A3-4F39-B42A-8BAA75E29D56}" dt="2025-12-04T15:47:18.763" v="28" actId="14100"/>
+          <ac:spMkLst>
+            <pc:docMk/>
+            <pc:sldMk cId="100202423" sldId="271"/>
+            <ac:spMk id="15" creationId="{C3ED6BC0-63BF-F12D-2E7F-C3E6E993C008}"/>
+          </ac:spMkLst>
+        </pc:spChg>
+        <pc:spChg chg="add mod">
+          <ac:chgData name="Cha, Curie (ext)" userId="ded769b9-f891-4fbd-9aac-296009cad227" providerId="ADAL" clId="{65380985-89A3-4F39-B42A-8BAA75E29D56}" dt="2025-12-04T15:47:22.544" v="29" actId="14100"/>
+          <ac:spMkLst>
+            <pc:docMk/>
+            <pc:sldMk cId="100202423" sldId="271"/>
+            <ac:spMk id="17" creationId="{9A07B23E-95D7-CA2D-7005-B110EDB5431B}"/>
+          </ac:spMkLst>
+        </pc:spChg>
+        <pc:spChg chg="add mod">
+          <ac:chgData name="Cha, Curie (ext)" userId="ded769b9-f891-4fbd-9aac-296009cad227" providerId="ADAL" clId="{65380985-89A3-4F39-B42A-8BAA75E29D56}" dt="2025-12-04T15:47:33.186" v="32" actId="14100"/>
+          <ac:spMkLst>
+            <pc:docMk/>
+            <pc:sldMk cId="100202423" sldId="271"/>
+            <ac:spMk id="19" creationId="{29F932FA-C536-FE83-4574-78163CB95FAD}"/>
+          </ac:spMkLst>
+        </pc:spChg>
+        <pc:spChg chg="del">
+          <ac:chgData name="Cha, Curie (ext)" userId="ded769b9-f891-4fbd-9aac-296009cad227" providerId="ADAL" clId="{65380985-89A3-4F39-B42A-8BAA75E29D56}" dt="2025-12-04T15:46:10.660" v="5" actId="478"/>
+          <ac:spMkLst>
+            <pc:docMk/>
+            <pc:sldMk cId="100202423" sldId="271"/>
+            <ac:spMk id="23" creationId="{39CAD10E-C358-B1EC-CD9A-C3CBCBAFF033}"/>
           </ac:spMkLst>
         </pc:spChg>
       </pc:sldChg>
@@ -5666,88 +5754,6 @@
       </p:sp>
       <p:sp>
         <p:nvSpPr>
-          <p:cNvPr id="10" name="TextBox 9">
-            <a:extLst>
-              <a:ext uri="{FF2B5EF4-FFF2-40B4-BE49-F238E27FC236}">
-                <a16:creationId xmlns:a16="http://schemas.microsoft.com/office/drawing/2014/main" id="{F27F7027-A04D-55C8-8F1D-74EE28CC88D1}"/>
-              </a:ext>
-            </a:extLst>
-          </p:cNvPr>
-          <p:cNvSpPr txBox="1"/>
-          <p:nvPr/>
-        </p:nvSpPr>
-        <p:spPr>
-          <a:xfrm>
-            <a:off x="6873881" y="269336"/>
-            <a:ext cx="2092326" cy="523220"/>
-          </a:xfrm>
-          <a:prstGeom prst="rect">
-            <a:avLst/>
-          </a:prstGeom>
-          <a:noFill/>
-        </p:spPr>
-        <p:txBody>
-          <a:bodyPr wrap="square" rtlCol="0">
-            <a:spAutoFit/>
-          </a:bodyPr>
-          <a:lstStyle/>
-          <a:p>
-            <a:r>
-              <a:rPr lang="en-US" sz="1400" dirty="0"/>
-              <a:t>Caption</a:t>
-            </a:r>
-          </a:p>
-          <a:p>
-            <a:r>
-              <a:rPr lang="en-US" sz="1400" dirty="0"/>
-              <a:t>RMSD</a:t>
-            </a:r>
-          </a:p>
-        </p:txBody>
-      </p:sp>
-      <p:sp>
-        <p:nvSpPr>
-          <p:cNvPr id="11" name="TextBox 10">
-            <a:extLst>
-              <a:ext uri="{FF2B5EF4-FFF2-40B4-BE49-F238E27FC236}">
-                <a16:creationId xmlns:a16="http://schemas.microsoft.com/office/drawing/2014/main" id="{5081264D-9E52-A65A-604E-3C87C6A51409}"/>
-              </a:ext>
-            </a:extLst>
-          </p:cNvPr>
-          <p:cNvSpPr txBox="1"/>
-          <p:nvPr/>
-        </p:nvSpPr>
-        <p:spPr>
-          <a:xfrm>
-            <a:off x="6873881" y="822960"/>
-            <a:ext cx="2092326" cy="523220"/>
-          </a:xfrm>
-          <a:prstGeom prst="rect">
-            <a:avLst/>
-          </a:prstGeom>
-          <a:noFill/>
-        </p:spPr>
-        <p:txBody>
-          <a:bodyPr wrap="square" rtlCol="0">
-            <a:spAutoFit/>
-          </a:bodyPr>
-          <a:lstStyle/>
-          <a:p>
-            <a:r>
-              <a:rPr lang="en-US" sz="1400" dirty="0"/>
-              <a:t>Caption</a:t>
-            </a:r>
-          </a:p>
-          <a:p>
-            <a:r>
-              <a:rPr lang="en-US" sz="1400" dirty="0"/>
-              <a:t>RMSD</a:t>
-            </a:r>
-          </a:p>
-        </p:txBody>
-      </p:sp>
-      <p:sp>
-        <p:nvSpPr>
           <p:cNvPr id="16" name="Slide Number Placeholder 2">
             <a:extLst>
               <a:ext uri="{FF2B5EF4-FFF2-40B4-BE49-F238E27FC236}">
@@ -5936,88 +5942,6 @@
       </p:sp>
       <p:sp>
         <p:nvSpPr>
-          <p:cNvPr id="23" name="TextBox 22">
-            <a:extLst>
-              <a:ext uri="{FF2B5EF4-FFF2-40B4-BE49-F238E27FC236}">
-                <a16:creationId xmlns:a16="http://schemas.microsoft.com/office/drawing/2014/main" id="{39CAD10E-C358-B1EC-CD9A-C3CBCBAFF033}"/>
-              </a:ext>
-            </a:extLst>
-          </p:cNvPr>
-          <p:cNvSpPr txBox="1"/>
-          <p:nvPr/>
-        </p:nvSpPr>
-        <p:spPr>
-          <a:xfrm>
-            <a:off x="6873881" y="1376584"/>
-            <a:ext cx="2092326" cy="523220"/>
-          </a:xfrm>
-          <a:prstGeom prst="rect">
-            <a:avLst/>
-          </a:prstGeom>
-          <a:noFill/>
-        </p:spPr>
-        <p:txBody>
-          <a:bodyPr wrap="square" rtlCol="0">
-            <a:spAutoFit/>
-          </a:bodyPr>
-          <a:lstStyle/>
-          <a:p>
-            <a:r>
-              <a:rPr lang="en-US" sz="1400" dirty="0"/>
-              <a:t>Caption</a:t>
-            </a:r>
-          </a:p>
-          <a:p>
-            <a:r>
-              <a:rPr lang="en-US" sz="1400" dirty="0"/>
-              <a:t>RMSD</a:t>
-            </a:r>
-          </a:p>
-        </p:txBody>
-      </p:sp>
-      <p:sp>
-        <p:nvSpPr>
-          <p:cNvPr id="5" name="TextBox 4">
-            <a:extLst>
-              <a:ext uri="{FF2B5EF4-FFF2-40B4-BE49-F238E27FC236}">
-                <a16:creationId xmlns:a16="http://schemas.microsoft.com/office/drawing/2014/main" id="{1C3561A8-13C9-B39D-7A57-0B9D761D97FA}"/>
-              </a:ext>
-            </a:extLst>
-          </p:cNvPr>
-          <p:cNvSpPr txBox="1"/>
-          <p:nvPr/>
-        </p:nvSpPr>
-        <p:spPr>
-          <a:xfrm>
-            <a:off x="6873881" y="1930208"/>
-            <a:ext cx="1329680" cy="523220"/>
-          </a:xfrm>
-          <a:prstGeom prst="rect">
-            <a:avLst/>
-          </a:prstGeom>
-          <a:noFill/>
-        </p:spPr>
-        <p:txBody>
-          <a:bodyPr wrap="square" rtlCol="0">
-            <a:spAutoFit/>
-          </a:bodyPr>
-          <a:lstStyle/>
-          <a:p>
-            <a:r>
-              <a:rPr lang="en-US" sz="1400" dirty="0"/>
-              <a:t>Caption</a:t>
-            </a:r>
-          </a:p>
-          <a:p>
-            <a:r>
-              <a:rPr lang="en-US" sz="1400" dirty="0"/>
-              <a:t>RMSD</a:t>
-            </a:r>
-          </a:p>
-        </p:txBody>
-      </p:sp>
-      <p:sp>
-        <p:nvSpPr>
           <p:cNvPr id="6" name="TextBox 5">
             <a:extLst>
               <a:ext uri="{FF2B5EF4-FFF2-40B4-BE49-F238E27FC236}">
@@ -6053,10 +5977,10 @@
       </p:sp>
       <p:sp>
         <p:nvSpPr>
-          <p:cNvPr id="4" name="TextBox 3">
-            <a:extLst>
-              <a:ext uri="{FF2B5EF4-FFF2-40B4-BE49-F238E27FC236}">
-                <a16:creationId xmlns:a16="http://schemas.microsoft.com/office/drawing/2014/main" id="{BBD6DAAD-8434-E4DD-264C-10C0F7C3585A}"/>
+          <p:cNvPr id="12" name="TextBox 11">
+            <a:extLst>
+              <a:ext uri="{FF2B5EF4-FFF2-40B4-BE49-F238E27FC236}">
+                <a16:creationId xmlns:a16="http://schemas.microsoft.com/office/drawing/2014/main" id="{F90C34E7-B5F9-76FF-02C1-853D913CBCF6}"/>
               </a:ext>
             </a:extLst>
           </p:cNvPr>
@@ -6065,8 +5989,8 @@
         </p:nvSpPr>
         <p:spPr>
           <a:xfrm>
-            <a:off x="6873881" y="2453428"/>
-            <a:ext cx="2092326" cy="523220"/>
+            <a:off x="6873880" y="962872"/>
+            <a:ext cx="3799196" cy="523220"/>
           </a:xfrm>
           <a:prstGeom prst="rect">
             <a:avLst/>
@@ -6094,10 +6018,10 @@
       </p:sp>
       <p:sp>
         <p:nvSpPr>
-          <p:cNvPr id="7" name="TextBox 6">
-            <a:extLst>
-              <a:ext uri="{FF2B5EF4-FFF2-40B4-BE49-F238E27FC236}">
-                <a16:creationId xmlns:a16="http://schemas.microsoft.com/office/drawing/2014/main" id="{175AEC95-8D36-1F69-3B00-222E29AC434B}"/>
+          <p:cNvPr id="13" name="TextBox 12">
+            <a:extLst>
+              <a:ext uri="{FF2B5EF4-FFF2-40B4-BE49-F238E27FC236}">
+                <a16:creationId xmlns:a16="http://schemas.microsoft.com/office/drawing/2014/main" id="{60472593-D881-736A-28BA-AFD30C23C4FE}"/>
               </a:ext>
             </a:extLst>
           </p:cNvPr>
@@ -6106,8 +6030,172 @@
         </p:nvSpPr>
         <p:spPr>
           <a:xfrm>
-            <a:off x="6873881" y="3007052"/>
-            <a:ext cx="2092326" cy="523220"/>
+            <a:off x="6873881" y="1516496"/>
+            <a:ext cx="3799196" cy="523220"/>
+          </a:xfrm>
+          <a:prstGeom prst="rect">
+            <a:avLst/>
+          </a:prstGeom>
+          <a:noFill/>
+        </p:spPr>
+        <p:txBody>
+          <a:bodyPr wrap="square" rtlCol="0">
+            <a:spAutoFit/>
+          </a:bodyPr>
+          <a:lstStyle/>
+          <a:p>
+            <a:r>
+              <a:rPr lang="en-US" sz="1400" dirty="0"/>
+              <a:t>Caption</a:t>
+            </a:r>
+          </a:p>
+          <a:p>
+            <a:r>
+              <a:rPr lang="en-US" sz="1400" dirty="0"/>
+              <a:t>RMSD</a:t>
+            </a:r>
+          </a:p>
+        </p:txBody>
+      </p:sp>
+      <p:sp>
+        <p:nvSpPr>
+          <p:cNvPr id="14" name="TextBox 13">
+            <a:extLst>
+              <a:ext uri="{FF2B5EF4-FFF2-40B4-BE49-F238E27FC236}">
+                <a16:creationId xmlns:a16="http://schemas.microsoft.com/office/drawing/2014/main" id="{36DF184A-7C84-A780-A36B-067AB871CBA3}"/>
+              </a:ext>
+            </a:extLst>
+          </p:cNvPr>
+          <p:cNvSpPr txBox="1"/>
+          <p:nvPr/>
+        </p:nvSpPr>
+        <p:spPr>
+          <a:xfrm>
+            <a:off x="6873880" y="2070120"/>
+            <a:ext cx="3799199" cy="523220"/>
+          </a:xfrm>
+          <a:prstGeom prst="rect">
+            <a:avLst/>
+          </a:prstGeom>
+          <a:noFill/>
+        </p:spPr>
+        <p:txBody>
+          <a:bodyPr wrap="square" rtlCol="0">
+            <a:spAutoFit/>
+          </a:bodyPr>
+          <a:lstStyle/>
+          <a:p>
+            <a:r>
+              <a:rPr lang="en-US" sz="1400" dirty="0"/>
+              <a:t>Caption</a:t>
+            </a:r>
+          </a:p>
+          <a:p>
+            <a:r>
+              <a:rPr lang="en-US" sz="1400" dirty="0"/>
+              <a:t>RMSD</a:t>
+            </a:r>
+          </a:p>
+        </p:txBody>
+      </p:sp>
+      <p:sp>
+        <p:nvSpPr>
+          <p:cNvPr id="15" name="TextBox 14">
+            <a:extLst>
+              <a:ext uri="{FF2B5EF4-FFF2-40B4-BE49-F238E27FC236}">
+                <a16:creationId xmlns:a16="http://schemas.microsoft.com/office/drawing/2014/main" id="{C3ED6BC0-63BF-F12D-2E7F-C3E6E993C008}"/>
+              </a:ext>
+            </a:extLst>
+          </p:cNvPr>
+          <p:cNvSpPr txBox="1"/>
+          <p:nvPr/>
+        </p:nvSpPr>
+        <p:spPr>
+          <a:xfrm>
+            <a:off x="6873881" y="2622067"/>
+            <a:ext cx="3799198" cy="523220"/>
+          </a:xfrm>
+          <a:prstGeom prst="rect">
+            <a:avLst/>
+          </a:prstGeom>
+          <a:noFill/>
+        </p:spPr>
+        <p:txBody>
+          <a:bodyPr wrap="square" rtlCol="0">
+            <a:spAutoFit/>
+          </a:bodyPr>
+          <a:lstStyle/>
+          <a:p>
+            <a:r>
+              <a:rPr lang="en-US" sz="1400" dirty="0"/>
+              <a:t>Caption</a:t>
+            </a:r>
+          </a:p>
+          <a:p>
+            <a:r>
+              <a:rPr lang="en-US" sz="1400" dirty="0"/>
+              <a:t>RMSD</a:t>
+            </a:r>
+          </a:p>
+        </p:txBody>
+      </p:sp>
+      <p:sp>
+        <p:nvSpPr>
+          <p:cNvPr id="17" name="TextBox 16">
+            <a:extLst>
+              <a:ext uri="{FF2B5EF4-FFF2-40B4-BE49-F238E27FC236}">
+                <a16:creationId xmlns:a16="http://schemas.microsoft.com/office/drawing/2014/main" id="{9A07B23E-95D7-CA2D-7005-B110EDB5431B}"/>
+              </a:ext>
+            </a:extLst>
+          </p:cNvPr>
+          <p:cNvSpPr txBox="1"/>
+          <p:nvPr/>
+        </p:nvSpPr>
+        <p:spPr>
+          <a:xfrm>
+            <a:off x="6873880" y="3175691"/>
+            <a:ext cx="3799197" cy="523220"/>
+          </a:xfrm>
+          <a:prstGeom prst="rect">
+            <a:avLst/>
+          </a:prstGeom>
+          <a:noFill/>
+        </p:spPr>
+        <p:txBody>
+          <a:bodyPr wrap="square" rtlCol="0">
+            <a:spAutoFit/>
+          </a:bodyPr>
+          <a:lstStyle/>
+          <a:p>
+            <a:r>
+              <a:rPr lang="en-US" sz="1400" dirty="0"/>
+              <a:t>Caption</a:t>
+            </a:r>
+          </a:p>
+          <a:p>
+            <a:r>
+              <a:rPr lang="en-US" sz="1400" dirty="0"/>
+              <a:t>RMSD</a:t>
+            </a:r>
+          </a:p>
+        </p:txBody>
+      </p:sp>
+      <p:sp>
+        <p:nvSpPr>
+          <p:cNvPr id="19" name="TextBox 18">
+            <a:extLst>
+              <a:ext uri="{FF2B5EF4-FFF2-40B4-BE49-F238E27FC236}">
+                <a16:creationId xmlns:a16="http://schemas.microsoft.com/office/drawing/2014/main" id="{29F932FA-C536-FE83-4574-78163CB95FAD}"/>
+              </a:ext>
+            </a:extLst>
+          </p:cNvPr>
+          <p:cNvSpPr txBox="1"/>
+          <p:nvPr/>
+        </p:nvSpPr>
+        <p:spPr>
+          <a:xfrm>
+            <a:off x="6873880" y="3729315"/>
+            <a:ext cx="3799195" cy="523220"/>
           </a:xfrm>
           <a:prstGeom prst="rect">
             <a:avLst/>
